--- a/project/artifacts/ProjectProgressReport.pptx
+++ b/project/artifacts/ProjectProgressReport.pptx
@@ -21770,7 +21770,46 @@
                 <a:ea typeface="Kefa" charset="0"/>
                 <a:cs typeface="Kefa" charset="0"/>
               </a:rPr>
-              <a:t>Breast cancer Identification using Transfer Learning</a:t>
+              <a:t>Breast </a:t>
+            </a:r>
+            <a:r>
+              <a:rPr lang="en-US" sz="4400" smtClean="0">
+                <a:solidFill>
+                  <a:schemeClr val="accent1">
+                    <a:lumMod val="50000"/>
+                  </a:schemeClr>
+                </a:solidFill>
+                <a:latin typeface="Kefa" charset="0"/>
+                <a:ea typeface="Kefa" charset="0"/>
+                <a:cs typeface="Kefa" charset="0"/>
+              </a:rPr>
+              <a:t>cancer </a:t>
+            </a:r>
+            <a:r>
+              <a:rPr lang="en-US" sz="4400" smtClean="0">
+                <a:solidFill>
+                  <a:schemeClr val="accent1">
+                    <a:lumMod val="50000"/>
+                  </a:schemeClr>
+                </a:solidFill>
+                <a:latin typeface="Kefa" charset="0"/>
+                <a:ea typeface="Kefa" charset="0"/>
+                <a:cs typeface="Kefa" charset="0"/>
+              </a:rPr>
+              <a:t>Classification </a:t>
+            </a:r>
+            <a:r>
+              <a:rPr lang="en-US" sz="4400" dirty="0" smtClean="0">
+                <a:solidFill>
+                  <a:schemeClr val="accent1">
+                    <a:lumMod val="50000"/>
+                  </a:schemeClr>
+                </a:solidFill>
+                <a:latin typeface="Kefa" charset="0"/>
+                <a:ea typeface="Kefa" charset="0"/>
+                <a:cs typeface="Kefa" charset="0"/>
+              </a:rPr>
+              <a:t>using Transfer Learning</a:t>
             </a:r>
             <a:endParaRPr sz="4400" dirty="0">
               <a:solidFill>
@@ -21891,7 +21930,7 @@
               <a:t>Vinoth </a:t>
             </a:r>
             <a:r>
-              <a:rPr lang="en-US" smtClean="0">
+              <a:rPr lang="en-US" dirty="0" err="1" smtClean="0">
                 <a:latin typeface="American Typewriter" charset="0"/>
                 <a:ea typeface="American Typewriter" charset="0"/>
                 <a:cs typeface="American Typewriter" charset="0"/>
@@ -22026,8 +22065,8 @@
         </p:nvSpPr>
         <p:spPr>
           <a:xfrm>
-            <a:off x="1562783" y="717813"/>
-            <a:ext cx="6209414" cy="3018623"/>
+            <a:off x="1770117" y="807281"/>
+            <a:ext cx="5556068" cy="3956308"/>
           </a:xfrm>
         </p:spPr>
         <p:txBody>
@@ -22045,7 +22084,61 @@
                 <a:ea typeface="Kefa" charset="0"/>
                 <a:cs typeface="Kefa" charset="0"/>
               </a:rPr>
-              <a:t>Curated</a:t>
+              <a:t>Feed processed images to convolutional neural network</a:t>
+            </a:r>
+          </a:p>
+          <a:p>
+            <a:endParaRPr lang="en-US" dirty="0">
+              <a:solidFill>
+                <a:schemeClr val="accent1">
+                  <a:lumMod val="50000"/>
+                </a:schemeClr>
+              </a:solidFill>
+              <a:latin typeface="Kefa" charset="0"/>
+              <a:ea typeface="Kefa" charset="0"/>
+              <a:cs typeface="Kefa" charset="0"/>
+            </a:endParaRPr>
+          </a:p>
+          <a:p>
+            <a:r>
+              <a:rPr lang="en-US" dirty="0" smtClean="0">
+                <a:solidFill>
+                  <a:schemeClr val="accent1">
+                    <a:lumMod val="50000"/>
+                  </a:schemeClr>
+                </a:solidFill>
+                <a:latin typeface="Kefa" charset="0"/>
+                <a:ea typeface="Kefa" charset="0"/>
+                <a:cs typeface="Kefa" charset="0"/>
+              </a:rPr>
+              <a:t>Extract the features with CNN</a:t>
+            </a:r>
+          </a:p>
+          <a:p>
+            <a:endParaRPr lang="en-US" dirty="0">
+              <a:solidFill>
+                <a:schemeClr val="accent1">
+                  <a:lumMod val="50000"/>
+                </a:schemeClr>
+              </a:solidFill>
+              <a:latin typeface="Kefa" charset="0"/>
+              <a:ea typeface="Kefa" charset="0"/>
+              <a:cs typeface="Kefa" charset="0"/>
+            </a:endParaRPr>
+          </a:p>
+          <a:p>
+            <a:r>
+              <a:rPr lang="en-US" dirty="0" smtClean="0">
+                <a:solidFill>
+                  <a:schemeClr val="accent1">
+                    <a:lumMod val="50000"/>
+                  </a:schemeClr>
+                </a:solidFill>
+                <a:latin typeface="Kefa" charset="0"/>
+                <a:ea typeface="Kefa" charset="0"/>
+                <a:cs typeface="Kefa" charset="0"/>
+              </a:rPr>
+              <a:t>Use transfer learning to classify the breast cancer</a:t>
             </a:r>
             <a:endParaRPr lang="en-US" dirty="0">
               <a:solidFill>
@@ -22060,6 +22153,66 @@
           </a:p>
         </p:txBody>
       </p:sp>
+      <p:pic>
+        <p:nvPicPr>
+          <p:cNvPr id="4" name="Picture 3"/>
+          <p:cNvPicPr>
+            <a:picLocks noChangeAspect="1"/>
+          </p:cNvPicPr>
+          <p:nvPr/>
+        </p:nvPicPr>
+        <p:blipFill>
+          <a:blip r:embed="rId2">
+            <a:extLst>
+              <a:ext uri="{28A0092B-C50C-407E-A947-70E740481C1C}">
+                <a14:useLocalDpi xmlns:a14="http://schemas.microsoft.com/office/drawing/2010/main" val="0"/>
+              </a:ext>
+            </a:extLst>
+          </a:blip>
+          <a:stretch>
+            <a:fillRect/>
+          </a:stretch>
+        </p:blipFill>
+        <p:spPr>
+          <a:xfrm>
+            <a:off x="1233377" y="2846104"/>
+            <a:ext cx="2546949" cy="1593960"/>
+          </a:xfrm>
+          <a:prstGeom prst="rect">
+            <a:avLst/>
+          </a:prstGeom>
+        </p:spPr>
+      </p:pic>
+      <p:pic>
+        <p:nvPicPr>
+          <p:cNvPr id="6" name="Picture 5"/>
+          <p:cNvPicPr>
+            <a:picLocks noChangeAspect="1"/>
+          </p:cNvPicPr>
+          <p:nvPr/>
+        </p:nvPicPr>
+        <p:blipFill>
+          <a:blip r:embed="rId3">
+            <a:extLst>
+              <a:ext uri="{28A0092B-C50C-407E-A947-70E740481C1C}">
+                <a14:useLocalDpi xmlns:a14="http://schemas.microsoft.com/office/drawing/2010/main" val="0"/>
+              </a:ext>
+            </a:extLst>
+          </a:blip>
+          <a:stretch>
+            <a:fillRect/>
+          </a:stretch>
+        </p:blipFill>
+        <p:spPr>
+          <a:xfrm>
+            <a:off x="4603899" y="2846104"/>
+            <a:ext cx="2502662" cy="1595268"/>
+          </a:xfrm>
+          <a:prstGeom prst="rect">
+            <a:avLst/>
+          </a:prstGeom>
+        </p:spPr>
+      </p:pic>
     </p:spTree>
     <p:extLst>
       <p:ext uri="{BB962C8B-B14F-4D97-AF65-F5344CB8AC3E}">
@@ -22931,8 +23084,8 @@
         </p:blipFill>
         <p:spPr>
           <a:xfrm>
-            <a:off x="6709145" y="3761338"/>
-            <a:ext cx="2182177" cy="1221082"/>
+            <a:off x="6900937" y="3761338"/>
+            <a:ext cx="1938263" cy="1221082"/>
           </a:xfrm>
           <a:prstGeom prst="rect">
             <a:avLst/>
@@ -26308,7 +26461,7 @@
           <p:nvPr/>
         </p:nvSpPr>
         <p:spPr>
-          <a:xfrm rot="2345932">
+          <a:xfrm rot="2715422">
             <a:off x="6992202" y="1483620"/>
             <a:ext cx="1449030" cy="771533"/>
           </a:xfrm>
@@ -27284,7 +27437,7 @@
           <p:nvPr/>
         </p:nvSpPr>
         <p:spPr>
-          <a:xfrm rot="2345932">
+          <a:xfrm rot="2845501">
             <a:off x="7006016" y="1564372"/>
             <a:ext cx="1246052" cy="635782"/>
           </a:xfrm>

--- a/project/artifacts/ProjectProgressReport.pptx
+++ b/project/artifacts/ProjectProgressReport.pptx
@@ -5,7 +5,7 @@
     <p:sldMasterId id="2147483657" r:id="rId1"/>
   </p:sldMasterIdLst>
   <p:notesMasterIdLst>
-    <p:notesMasterId r:id="rId13"/>
+    <p:notesMasterId r:id="rId14"/>
   </p:notesMasterIdLst>
   <p:sldIdLst>
     <p:sldId id="256" r:id="rId2"/>
@@ -13,12 +13,13 @@
     <p:sldId id="287" r:id="rId4"/>
     <p:sldId id="288" r:id="rId5"/>
     <p:sldId id="289" r:id="rId6"/>
-    <p:sldId id="290" r:id="rId7"/>
-    <p:sldId id="291" r:id="rId8"/>
-    <p:sldId id="292" r:id="rId9"/>
-    <p:sldId id="293" r:id="rId10"/>
-    <p:sldId id="296" r:id="rId11"/>
-    <p:sldId id="280" r:id="rId12"/>
+    <p:sldId id="297" r:id="rId7"/>
+    <p:sldId id="290" r:id="rId8"/>
+    <p:sldId id="291" r:id="rId9"/>
+    <p:sldId id="292" r:id="rId10"/>
+    <p:sldId id="293" r:id="rId11"/>
+    <p:sldId id="296" r:id="rId12"/>
+    <p:sldId id="280" r:id="rId13"/>
   </p:sldIdLst>
   <p:sldSz cx="9144000" cy="5143500" type="screen16x9"/>
   <p:notesSz cx="6858000" cy="9144000"/>
@@ -1119,7 +1120,7 @@
     </p:spTree>
     <p:extLst>
       <p:ext uri="{BB962C8B-B14F-4D97-AF65-F5344CB8AC3E}">
-        <p14:creationId xmlns:p14="http://schemas.microsoft.com/office/powerpoint/2010/main" val="172107767"/>
+        <p14:creationId xmlns:p14="http://schemas.microsoft.com/office/powerpoint/2010/main" val="2126806822"/>
       </p:ext>
     </p:extLst>
   </p:cSld>
@@ -1228,7 +1229,7 @@
     </p:spTree>
     <p:extLst>
       <p:ext uri="{BB962C8B-B14F-4D97-AF65-F5344CB8AC3E}">
-        <p14:creationId xmlns:p14="http://schemas.microsoft.com/office/powerpoint/2010/main" val="694376329"/>
+        <p14:creationId xmlns:p14="http://schemas.microsoft.com/office/powerpoint/2010/main" val="172107767"/>
       </p:ext>
     </p:extLst>
   </p:cSld>
@@ -1337,7 +1338,7 @@
     </p:spTree>
     <p:extLst>
       <p:ext uri="{BB962C8B-B14F-4D97-AF65-F5344CB8AC3E}">
-        <p14:creationId xmlns:p14="http://schemas.microsoft.com/office/powerpoint/2010/main" val="295191258"/>
+        <p14:creationId xmlns:p14="http://schemas.microsoft.com/office/powerpoint/2010/main" val="694376329"/>
       </p:ext>
     </p:extLst>
   </p:cSld>
@@ -1446,6 +1447,115 @@
     </p:spTree>
     <p:extLst>
       <p:ext uri="{BB962C8B-B14F-4D97-AF65-F5344CB8AC3E}">
+        <p14:creationId xmlns:p14="http://schemas.microsoft.com/office/powerpoint/2010/main" val="295191258"/>
+      </p:ext>
+    </p:extLst>
+  </p:cSld>
+  <p:clrMapOvr>
+    <a:masterClrMapping/>
+  </p:clrMapOvr>
+</p:notes>
+</file>
+
+<file path=ppt/notesSlides/notesSlide8.xml><?xml version="1.0" encoding="utf-8"?>
+<p:notes xmlns:a="http://schemas.openxmlformats.org/drawingml/2006/main" xmlns:r="http://schemas.openxmlformats.org/officeDocument/2006/relationships" xmlns:p="http://schemas.openxmlformats.org/presentationml/2006/main" showMasterSp="0" showMasterPhAnim="0">
+  <p:cSld>
+    <p:spTree>
+      <p:nvGrpSpPr>
+        <p:cNvPr id="1" name="Shape 352"/>
+        <p:cNvGrpSpPr/>
+        <p:nvPr/>
+      </p:nvGrpSpPr>
+      <p:grpSpPr>
+        <a:xfrm>
+          <a:off x="0" y="0"/>
+          <a:ext cx="0" cy="0"/>
+          <a:chOff x="0" y="0"/>
+          <a:chExt cx="0" cy="0"/>
+        </a:xfrm>
+      </p:grpSpPr>
+      <p:sp>
+        <p:nvSpPr>
+          <p:cNvPr id="353" name="Shape 353"/>
+          <p:cNvSpPr>
+            <a:spLocks noGrp="1" noRot="1" noChangeAspect="1"/>
+          </p:cNvSpPr>
+          <p:nvPr>
+            <p:ph type="sldImg" idx="2"/>
+          </p:nvPr>
+        </p:nvSpPr>
+        <p:spPr>
+          <a:xfrm>
+            <a:off x="381000" y="685800"/>
+            <a:ext cx="6096000" cy="3429000"/>
+          </a:xfrm>
+          <a:custGeom>
+            <a:avLst/>
+            <a:gdLst/>
+            <a:ahLst/>
+            <a:cxnLst/>
+            <a:rect l="0" t="0" r="0" b="0"/>
+            <a:pathLst>
+              <a:path w="120000" h="120000" extrusionOk="0">
+                <a:moveTo>
+                  <a:pt x="0" y="0"/>
+                </a:moveTo>
+                <a:lnTo>
+                  <a:pt x="120000" y="0"/>
+                </a:lnTo>
+                <a:lnTo>
+                  <a:pt x="120000" y="120000"/>
+                </a:lnTo>
+                <a:lnTo>
+                  <a:pt x="0" y="120000"/>
+                </a:lnTo>
+                <a:close/>
+              </a:path>
+            </a:pathLst>
+          </a:custGeom>
+        </p:spPr>
+      </p:sp>
+      <p:sp>
+        <p:nvSpPr>
+          <p:cNvPr id="354" name="Shape 354"/>
+          <p:cNvSpPr txBox="1">
+            <a:spLocks noGrp="1"/>
+          </p:cNvSpPr>
+          <p:nvPr>
+            <p:ph type="body" idx="1"/>
+          </p:nvPr>
+        </p:nvSpPr>
+        <p:spPr>
+          <a:xfrm>
+            <a:off x="685800" y="4343400"/>
+            <a:ext cx="5486400" cy="4114800"/>
+          </a:xfrm>
+          <a:prstGeom prst="rect">
+            <a:avLst/>
+          </a:prstGeom>
+        </p:spPr>
+        <p:txBody>
+          <a:bodyPr spcFirstLastPara="1" wrap="square" lIns="91425" tIns="91425" rIns="91425" bIns="91425" anchor="t" anchorCtr="0">
+            <a:noAutofit/>
+          </a:bodyPr>
+          <a:lstStyle/>
+          <a:p>
+            <a:pPr marL="0" lvl="0" indent="0">
+              <a:spcBef>
+                <a:spcPts val="0"/>
+              </a:spcBef>
+              <a:spcAft>
+                <a:spcPts val="0"/>
+              </a:spcAft>
+              <a:buNone/>
+            </a:pPr>
+            <a:endParaRPr/>
+          </a:p>
+        </p:txBody>
+      </p:sp>
+    </p:spTree>
+    <p:extLst>
+      <p:ext uri="{BB962C8B-B14F-4D97-AF65-F5344CB8AC3E}">
         <p14:creationId xmlns:p14="http://schemas.microsoft.com/office/powerpoint/2010/main" val="1668197198"/>
       </p:ext>
     </p:extLst>
@@ -1456,7 +1566,7 @@
 </p:notes>
 </file>
 
-<file path=ppt/notesSlides/notesSlide8.xml><?xml version="1.0" encoding="utf-8"?>
+<file path=ppt/notesSlides/notesSlide9.xml><?xml version="1.0" encoding="utf-8"?>
 <p:notes xmlns:a="http://schemas.openxmlformats.org/drawingml/2006/main" xmlns:r="http://schemas.openxmlformats.org/officeDocument/2006/relationships" xmlns:p="http://schemas.openxmlformats.org/presentationml/2006/main" showMasterSp="0" showMasterPhAnim="0">
   <p:cSld>
     <p:spTree>
@@ -21783,20 +21893,7 @@
                 <a:ea typeface="Kefa" charset="0"/>
                 <a:cs typeface="Kefa" charset="0"/>
               </a:rPr>
-              <a:t>cancer </a:t>
-            </a:r>
-            <a:r>
-              <a:rPr lang="en-US" sz="4400" smtClean="0">
-                <a:solidFill>
-                  <a:schemeClr val="accent1">
-                    <a:lumMod val="50000"/>
-                  </a:schemeClr>
-                </a:solidFill>
-                <a:latin typeface="Kefa" charset="0"/>
-                <a:ea typeface="Kefa" charset="0"/>
-                <a:cs typeface="Kefa" charset="0"/>
-              </a:rPr>
-              <a:t>Classification </a:t>
+              <a:t>cancer Classification </a:t>
             </a:r>
             <a:r>
               <a:rPr lang="en-US" sz="4400" dirty="0" smtClean="0">
@@ -21994,6 +22091,582 @@
     </p:bg>
     <p:spTree>
       <p:nvGrpSpPr>
+        <p:cNvPr id="1" name="Shape 355"/>
+        <p:cNvGrpSpPr/>
+        <p:nvPr/>
+      </p:nvGrpSpPr>
+      <p:grpSpPr>
+        <a:xfrm>
+          <a:off x="0" y="0"/>
+          <a:ext cx="0" cy="0"/>
+          <a:chOff x="0" y="0"/>
+          <a:chExt cx="0" cy="0"/>
+        </a:xfrm>
+      </p:grpSpPr>
+      <p:sp>
+        <p:nvSpPr>
+          <p:cNvPr id="10" name="Title 1"/>
+          <p:cNvSpPr txBox="1">
+            <a:spLocks/>
+          </p:cNvSpPr>
+          <p:nvPr/>
+        </p:nvSpPr>
+        <p:spPr>
+          <a:xfrm>
+            <a:off x="2083575" y="0"/>
+            <a:ext cx="4827588" cy="645300"/>
+          </a:xfrm>
+          <a:prstGeom prst="rect">
+            <a:avLst/>
+          </a:prstGeom>
+        </p:spPr>
+        <p:txBody>
+          <a:bodyPr/>
+          <a:lstStyle>
+            <a:defPPr marR="0" lvl="0" algn="l" rtl="0">
+              <a:lnSpc>
+                <a:spcPct val="100000"/>
+              </a:lnSpc>
+              <a:spcBef>
+                <a:spcPts val="0"/>
+              </a:spcBef>
+              <a:spcAft>
+                <a:spcPts val="0"/>
+              </a:spcAft>
+            </a:defPPr>
+            <a:lvl1pPr marR="0" lvl="0" algn="l" rtl="0">
+              <a:lnSpc>
+                <a:spcPct val="100000"/>
+              </a:lnSpc>
+              <a:spcBef>
+                <a:spcPts val="0"/>
+              </a:spcBef>
+              <a:spcAft>
+                <a:spcPts val="0"/>
+              </a:spcAft>
+              <a:buClr>
+                <a:srgbClr val="000000"/>
+              </a:buClr>
+              <a:buFont typeface="Arial"/>
+              <a:defRPr sz="1400" b="0" i="0" u="none" strike="noStrike" cap="none">
+                <a:solidFill>
+                  <a:srgbClr val="000000"/>
+                </a:solidFill>
+                <a:latin typeface="Arial"/>
+                <a:ea typeface="Arial"/>
+                <a:cs typeface="Arial"/>
+                <a:sym typeface="Arial"/>
+              </a:defRPr>
+            </a:lvl1pPr>
+            <a:lvl2pPr marR="0" lvl="1" algn="l" rtl="0">
+              <a:lnSpc>
+                <a:spcPct val="100000"/>
+              </a:lnSpc>
+              <a:spcBef>
+                <a:spcPts val="0"/>
+              </a:spcBef>
+              <a:spcAft>
+                <a:spcPts val="0"/>
+              </a:spcAft>
+              <a:buClr>
+                <a:srgbClr val="000000"/>
+              </a:buClr>
+              <a:buFont typeface="Arial"/>
+              <a:defRPr sz="1400" b="0" i="0" u="none" strike="noStrike" cap="none">
+                <a:solidFill>
+                  <a:srgbClr val="000000"/>
+                </a:solidFill>
+                <a:latin typeface="Arial"/>
+                <a:ea typeface="Arial"/>
+                <a:cs typeface="Arial"/>
+                <a:sym typeface="Arial"/>
+              </a:defRPr>
+            </a:lvl2pPr>
+            <a:lvl3pPr marR="0" lvl="2" algn="l" rtl="0">
+              <a:lnSpc>
+                <a:spcPct val="100000"/>
+              </a:lnSpc>
+              <a:spcBef>
+                <a:spcPts val="0"/>
+              </a:spcBef>
+              <a:spcAft>
+                <a:spcPts val="0"/>
+              </a:spcAft>
+              <a:buClr>
+                <a:srgbClr val="000000"/>
+              </a:buClr>
+              <a:buFont typeface="Arial"/>
+              <a:defRPr sz="1400" b="0" i="0" u="none" strike="noStrike" cap="none">
+                <a:solidFill>
+                  <a:srgbClr val="000000"/>
+                </a:solidFill>
+                <a:latin typeface="Arial"/>
+                <a:ea typeface="Arial"/>
+                <a:cs typeface="Arial"/>
+                <a:sym typeface="Arial"/>
+              </a:defRPr>
+            </a:lvl3pPr>
+            <a:lvl4pPr marR="0" lvl="3" algn="l" rtl="0">
+              <a:lnSpc>
+                <a:spcPct val="100000"/>
+              </a:lnSpc>
+              <a:spcBef>
+                <a:spcPts val="0"/>
+              </a:spcBef>
+              <a:spcAft>
+                <a:spcPts val="0"/>
+              </a:spcAft>
+              <a:buClr>
+                <a:srgbClr val="000000"/>
+              </a:buClr>
+              <a:buFont typeface="Arial"/>
+              <a:defRPr sz="1400" b="0" i="0" u="none" strike="noStrike" cap="none">
+                <a:solidFill>
+                  <a:srgbClr val="000000"/>
+                </a:solidFill>
+                <a:latin typeface="Arial"/>
+                <a:ea typeface="Arial"/>
+                <a:cs typeface="Arial"/>
+                <a:sym typeface="Arial"/>
+              </a:defRPr>
+            </a:lvl4pPr>
+            <a:lvl5pPr marR="0" lvl="4" algn="l" rtl="0">
+              <a:lnSpc>
+                <a:spcPct val="100000"/>
+              </a:lnSpc>
+              <a:spcBef>
+                <a:spcPts val="0"/>
+              </a:spcBef>
+              <a:spcAft>
+                <a:spcPts val="0"/>
+              </a:spcAft>
+              <a:buClr>
+                <a:srgbClr val="000000"/>
+              </a:buClr>
+              <a:buFont typeface="Arial"/>
+              <a:defRPr sz="1400" b="0" i="0" u="none" strike="noStrike" cap="none">
+                <a:solidFill>
+                  <a:srgbClr val="000000"/>
+                </a:solidFill>
+                <a:latin typeface="Arial"/>
+                <a:ea typeface="Arial"/>
+                <a:cs typeface="Arial"/>
+                <a:sym typeface="Arial"/>
+              </a:defRPr>
+            </a:lvl5pPr>
+            <a:lvl6pPr marR="0" lvl="5" algn="l" rtl="0">
+              <a:lnSpc>
+                <a:spcPct val="100000"/>
+              </a:lnSpc>
+              <a:spcBef>
+                <a:spcPts val="0"/>
+              </a:spcBef>
+              <a:spcAft>
+                <a:spcPts val="0"/>
+              </a:spcAft>
+              <a:buClr>
+                <a:srgbClr val="000000"/>
+              </a:buClr>
+              <a:buFont typeface="Arial"/>
+              <a:defRPr sz="1400" b="0" i="0" u="none" strike="noStrike" cap="none">
+                <a:solidFill>
+                  <a:srgbClr val="000000"/>
+                </a:solidFill>
+                <a:latin typeface="Arial"/>
+                <a:ea typeface="Arial"/>
+                <a:cs typeface="Arial"/>
+                <a:sym typeface="Arial"/>
+              </a:defRPr>
+            </a:lvl6pPr>
+            <a:lvl7pPr marR="0" lvl="6" algn="l" rtl="0">
+              <a:lnSpc>
+                <a:spcPct val="100000"/>
+              </a:lnSpc>
+              <a:spcBef>
+                <a:spcPts val="0"/>
+              </a:spcBef>
+              <a:spcAft>
+                <a:spcPts val="0"/>
+              </a:spcAft>
+              <a:buClr>
+                <a:srgbClr val="000000"/>
+              </a:buClr>
+              <a:buFont typeface="Arial"/>
+              <a:defRPr sz="1400" b="0" i="0" u="none" strike="noStrike" cap="none">
+                <a:solidFill>
+                  <a:srgbClr val="000000"/>
+                </a:solidFill>
+                <a:latin typeface="Arial"/>
+                <a:ea typeface="Arial"/>
+                <a:cs typeface="Arial"/>
+                <a:sym typeface="Arial"/>
+              </a:defRPr>
+            </a:lvl7pPr>
+            <a:lvl8pPr marR="0" lvl="7" algn="l" rtl="0">
+              <a:lnSpc>
+                <a:spcPct val="100000"/>
+              </a:lnSpc>
+              <a:spcBef>
+                <a:spcPts val="0"/>
+              </a:spcBef>
+              <a:spcAft>
+                <a:spcPts val="0"/>
+              </a:spcAft>
+              <a:buClr>
+                <a:srgbClr val="000000"/>
+              </a:buClr>
+              <a:buFont typeface="Arial"/>
+              <a:defRPr sz="1400" b="0" i="0" u="none" strike="noStrike" cap="none">
+                <a:solidFill>
+                  <a:srgbClr val="000000"/>
+                </a:solidFill>
+                <a:latin typeface="Arial"/>
+                <a:ea typeface="Arial"/>
+                <a:cs typeface="Arial"/>
+                <a:sym typeface="Arial"/>
+              </a:defRPr>
+            </a:lvl8pPr>
+            <a:lvl9pPr marR="0" lvl="8" algn="l" rtl="0">
+              <a:lnSpc>
+                <a:spcPct val="100000"/>
+              </a:lnSpc>
+              <a:spcBef>
+                <a:spcPts val="0"/>
+              </a:spcBef>
+              <a:spcAft>
+                <a:spcPts val="0"/>
+              </a:spcAft>
+              <a:buClr>
+                <a:srgbClr val="000000"/>
+              </a:buClr>
+              <a:buFont typeface="Arial"/>
+              <a:defRPr sz="1400" b="0" i="0" u="none" strike="noStrike" cap="none">
+                <a:solidFill>
+                  <a:srgbClr val="000000"/>
+                </a:solidFill>
+                <a:latin typeface="Arial"/>
+                <a:ea typeface="Arial"/>
+                <a:cs typeface="Arial"/>
+                <a:sym typeface="Arial"/>
+              </a:defRPr>
+            </a:lvl9pPr>
+          </a:lstStyle>
+          <a:p>
+            <a:pPr algn="ctr"/>
+            <a:r>
+              <a:rPr lang="en-US" sz="4000" dirty="0" smtClean="0">
+                <a:solidFill>
+                  <a:schemeClr val="accent1">
+                    <a:lumMod val="50000"/>
+                  </a:schemeClr>
+                </a:solidFill>
+                <a:latin typeface="Kefa" charset="0"/>
+                <a:ea typeface="Kefa" charset="0"/>
+                <a:cs typeface="Kefa" charset="0"/>
+              </a:rPr>
+              <a:t>Pre-Processing</a:t>
+            </a:r>
+            <a:endParaRPr lang="en-US" sz="4000" dirty="0">
+              <a:solidFill>
+                <a:schemeClr val="accent1">
+                  <a:lumMod val="50000"/>
+                </a:schemeClr>
+              </a:solidFill>
+              <a:latin typeface="Kefa" charset="0"/>
+              <a:ea typeface="Kefa" charset="0"/>
+              <a:cs typeface="Kefa" charset="0"/>
+            </a:endParaRPr>
+          </a:p>
+        </p:txBody>
+      </p:sp>
+      <p:sp>
+        <p:nvSpPr>
+          <p:cNvPr id="36" name="TextBox 35"/>
+          <p:cNvSpPr txBox="1"/>
+          <p:nvPr/>
+        </p:nvSpPr>
+        <p:spPr>
+          <a:xfrm>
+            <a:off x="3476647" y="3330091"/>
+            <a:ext cx="3136804" cy="1785104"/>
+          </a:xfrm>
+          <a:prstGeom prst="rect">
+            <a:avLst/>
+          </a:prstGeom>
+          <a:noFill/>
+        </p:spPr>
+        <p:txBody>
+          <a:bodyPr wrap="square" rtlCol="0">
+            <a:spAutoFit/>
+          </a:bodyPr>
+          <a:lstStyle/>
+          <a:p>
+            <a:pPr algn="ctr">
+              <a:buSzPct val="115000"/>
+            </a:pPr>
+            <a:r>
+              <a:rPr lang="en-US" sz="1200" dirty="0" smtClean="0">
+                <a:solidFill>
+                  <a:schemeClr val="accent1">
+                    <a:lumMod val="50000"/>
+                  </a:schemeClr>
+                </a:solidFill>
+                <a:latin typeface="Kefa" charset="0"/>
+                <a:ea typeface="Kefa" charset="0"/>
+                <a:cs typeface="Kefa" charset="0"/>
+              </a:rPr>
+              <a:t>Morphological Transformation and Masking</a:t>
+            </a:r>
+          </a:p>
+          <a:p>
+            <a:pPr algn="ctr">
+              <a:buSzPct val="115000"/>
+            </a:pPr>
+            <a:endParaRPr lang="en-US" sz="1200" dirty="0">
+              <a:solidFill>
+                <a:schemeClr val="accent1">
+                  <a:lumMod val="50000"/>
+                </a:schemeClr>
+              </a:solidFill>
+              <a:latin typeface="Kefa" charset="0"/>
+              <a:ea typeface="Kefa" charset="0"/>
+              <a:cs typeface="Kefa" charset="0"/>
+            </a:endParaRPr>
+          </a:p>
+          <a:p>
+            <a:pPr algn="ctr">
+              <a:buSzPct val="115000"/>
+            </a:pPr>
+            <a:r>
+              <a:rPr lang="en-US" sz="1200" dirty="0" smtClean="0">
+                <a:solidFill>
+                  <a:schemeClr val="accent1">
+                    <a:lumMod val="50000"/>
+                  </a:schemeClr>
+                </a:solidFill>
+                <a:latin typeface="Kefa" charset="0"/>
+                <a:ea typeface="Kefa" charset="0"/>
+                <a:cs typeface="Kefa" charset="0"/>
+              </a:rPr>
+              <a:t>Again image is eroded and dilated using </a:t>
+            </a:r>
+          </a:p>
+          <a:p>
+            <a:pPr algn="ctr">
+              <a:buSzPct val="115000"/>
+            </a:pPr>
+            <a:r>
+              <a:rPr lang="en-US" sz="1200" dirty="0">
+                <a:solidFill>
+                  <a:schemeClr val="accent1">
+                    <a:lumMod val="50000"/>
+                  </a:schemeClr>
+                </a:solidFill>
+                <a:latin typeface="Kefa" charset="0"/>
+                <a:ea typeface="Kefa" charset="0"/>
+                <a:cs typeface="Kefa" charset="0"/>
+              </a:rPr>
+              <a:t>cv2.morphologyEx - </a:t>
+            </a:r>
+            <a:r>
+              <a:rPr lang="en-US" sz="1200" dirty="0" smtClean="0">
+                <a:solidFill>
+                  <a:schemeClr val="accent1">
+                    <a:lumMod val="50000"/>
+                  </a:schemeClr>
+                </a:solidFill>
+                <a:latin typeface="Kefa" charset="0"/>
+                <a:ea typeface="Kefa" charset="0"/>
+                <a:cs typeface="Kefa" charset="0"/>
+              </a:rPr>
+              <a:t>MORPH_OPEN</a:t>
+            </a:r>
+          </a:p>
+          <a:p>
+            <a:pPr algn="ctr">
+              <a:buSzPct val="115000"/>
+            </a:pPr>
+            <a:endParaRPr lang="en-US" sz="1200" dirty="0">
+              <a:solidFill>
+                <a:schemeClr val="accent1">
+                  <a:lumMod val="50000"/>
+                </a:schemeClr>
+              </a:solidFill>
+              <a:latin typeface="Kefa" charset="0"/>
+              <a:ea typeface="Kefa" charset="0"/>
+              <a:cs typeface="Kefa" charset="0"/>
+            </a:endParaRPr>
+          </a:p>
+          <a:p>
+            <a:pPr algn="ctr">
+              <a:buSzPct val="115000"/>
+            </a:pPr>
+            <a:r>
+              <a:rPr lang="en-US" sz="1200" dirty="0" smtClean="0">
+                <a:solidFill>
+                  <a:schemeClr val="accent1">
+                    <a:lumMod val="50000"/>
+                  </a:schemeClr>
+                </a:solidFill>
+                <a:latin typeface="Kefa" charset="0"/>
+                <a:ea typeface="Kefa" charset="0"/>
+                <a:cs typeface="Kefa" charset="0"/>
+              </a:rPr>
+              <a:t>Masking is done using</a:t>
+            </a:r>
+          </a:p>
+          <a:p>
+            <a:pPr algn="ctr">
+              <a:buSzPct val="115000"/>
+            </a:pPr>
+            <a:r>
+              <a:rPr lang="en-US" sz="1200" dirty="0" smtClean="0">
+                <a:solidFill>
+                  <a:schemeClr val="accent1">
+                    <a:lumMod val="50000"/>
+                  </a:schemeClr>
+                </a:solidFill>
+                <a:latin typeface="Kefa" charset="0"/>
+                <a:ea typeface="Kefa" charset="0"/>
+                <a:cs typeface="Kefa" charset="0"/>
+              </a:rPr>
+              <a:t>cv2.bitwise_and</a:t>
+            </a:r>
+          </a:p>
+          <a:p>
+            <a:endParaRPr lang="en-US" dirty="0"/>
+          </a:p>
+        </p:txBody>
+      </p:sp>
+      <p:pic>
+        <p:nvPicPr>
+          <p:cNvPr id="5" name="Picture 4"/>
+          <p:cNvPicPr>
+            <a:picLocks noChangeAspect="1"/>
+          </p:cNvPicPr>
+          <p:nvPr/>
+        </p:nvPicPr>
+        <p:blipFill>
+          <a:blip r:embed="rId3">
+            <a:extLst>
+              <a:ext uri="{28A0092B-C50C-407E-A947-70E740481C1C}">
+                <a14:useLocalDpi xmlns:a14="http://schemas.microsoft.com/office/drawing/2010/main" val="0"/>
+              </a:ext>
+            </a:extLst>
+          </a:blip>
+          <a:stretch>
+            <a:fillRect/>
+          </a:stretch>
+        </p:blipFill>
+        <p:spPr>
+          <a:xfrm>
+            <a:off x="2413589" y="876560"/>
+            <a:ext cx="5014433" cy="2349860"/>
+          </a:xfrm>
+          <a:prstGeom prst="rect">
+            <a:avLst/>
+          </a:prstGeom>
+        </p:spPr>
+      </p:pic>
+      <p:sp>
+        <p:nvSpPr>
+          <p:cNvPr id="12" name="Hexagon 11"/>
+          <p:cNvSpPr/>
+          <p:nvPr/>
+        </p:nvSpPr>
+        <p:spPr>
+          <a:xfrm>
+            <a:off x="7237676" y="3165286"/>
+            <a:ext cx="380691" cy="329609"/>
+          </a:xfrm>
+          <a:prstGeom prst="hexagon">
+            <a:avLst/>
+          </a:prstGeom>
+          <a:solidFill>
+            <a:schemeClr val="accent4">
+              <a:lumMod val="75000"/>
+            </a:schemeClr>
+          </a:solidFill>
+        </p:spPr>
+        <p:style>
+          <a:lnRef idx="2">
+            <a:schemeClr val="accent1">
+              <a:shade val="50000"/>
+            </a:schemeClr>
+          </a:lnRef>
+          <a:fillRef idx="1">
+            <a:schemeClr val="accent1"/>
+          </a:fillRef>
+          <a:effectRef idx="0">
+            <a:schemeClr val="accent1"/>
+          </a:effectRef>
+          <a:fontRef idx="minor">
+            <a:schemeClr val="lt1"/>
+          </a:fontRef>
+        </p:style>
+        <p:txBody>
+          <a:bodyPr rtlCol="0" anchor="ctr"/>
+          <a:lstStyle/>
+          <a:p>
+            <a:pPr algn="ctr"/>
+            <a:r>
+              <a:rPr lang="en-US" dirty="0" smtClean="0">
+                <a:solidFill>
+                  <a:schemeClr val="bg2">
+                    <a:lumMod val="20000"/>
+                    <a:lumOff val="80000"/>
+                  </a:schemeClr>
+                </a:solidFill>
+              </a:rPr>
+              <a:t>9</a:t>
+            </a:r>
+            <a:endParaRPr lang="en-US" dirty="0">
+              <a:solidFill>
+                <a:schemeClr val="bg2">
+                  <a:lumMod val="20000"/>
+                  <a:lumOff val="80000"/>
+                </a:schemeClr>
+              </a:solidFill>
+            </a:endParaRPr>
+          </a:p>
+        </p:txBody>
+      </p:sp>
+    </p:spTree>
+    <p:extLst>
+      <p:ext uri="{BB962C8B-B14F-4D97-AF65-F5344CB8AC3E}">
+        <p14:creationId xmlns:p14="http://schemas.microsoft.com/office/powerpoint/2010/main" val="1576564612"/>
+      </p:ext>
+    </p:extLst>
+  </p:cSld>
+  <p:clrMapOvr>
+    <a:masterClrMapping/>
+  </p:clrMapOvr>
+  <p:timing>
+    <p:tnLst>
+      <p:par>
+        <p:cTn id="1" dur="indefinite" restart="never" nodeType="tmRoot"/>
+      </p:par>
+    </p:tnLst>
+  </p:timing>
+</p:sld>
+</file>
+
+<file path=ppt/slides/slide11.xml><?xml version="1.0" encoding="utf-8"?>
+<p:sld xmlns:a="http://schemas.openxmlformats.org/drawingml/2006/main" xmlns:r="http://schemas.openxmlformats.org/officeDocument/2006/relationships" xmlns:p="http://schemas.openxmlformats.org/presentationml/2006/main">
+  <p:cSld>
+    <p:bg>
+      <p:bgPr>
+        <a:solidFill>
+          <a:schemeClr val="accent4">
+            <a:lumMod val="20000"/>
+            <a:lumOff val="80000"/>
+          </a:schemeClr>
+        </a:solidFill>
+        <a:effectLst/>
+      </p:bgPr>
+    </p:bg>
+    <p:spTree>
+      <p:nvGrpSpPr>
         <p:cNvPr id="1" name=""/>
         <p:cNvGrpSpPr/>
         <p:nvPr/>
@@ -22140,6 +22813,33 @@
               </a:rPr>
               <a:t>Use transfer learning to classify the breast cancer</a:t>
             </a:r>
+          </a:p>
+          <a:p>
+            <a:endParaRPr lang="en-US" dirty="0">
+              <a:solidFill>
+                <a:schemeClr val="accent1">
+                  <a:lumMod val="50000"/>
+                </a:schemeClr>
+              </a:solidFill>
+              <a:latin typeface="Kefa" charset="0"/>
+              <a:ea typeface="Kefa" charset="0"/>
+              <a:cs typeface="Kefa" charset="0"/>
+            </a:endParaRPr>
+          </a:p>
+          <a:p>
+            <a:r>
+              <a:rPr lang="en-US" dirty="0" smtClean="0">
+                <a:solidFill>
+                  <a:schemeClr val="accent1">
+                    <a:lumMod val="50000"/>
+                  </a:schemeClr>
+                </a:solidFill>
+                <a:latin typeface="Kefa" charset="0"/>
+                <a:ea typeface="Kefa" charset="0"/>
+                <a:cs typeface="Kefa" charset="0"/>
+              </a:rPr>
+              <a:t>Planning to use TensorFlow framework for numerical computation</a:t>
+            </a:r>
             <a:endParaRPr lang="en-US" dirty="0">
               <a:solidFill>
                 <a:schemeClr val="accent1">
@@ -22155,7 +22855,7 @@
       </p:sp>
       <p:pic>
         <p:nvPicPr>
-          <p:cNvPr id="4" name="Picture 3"/>
+          <p:cNvPr id="7" name="Picture 6"/>
           <p:cNvPicPr>
             <a:picLocks noChangeAspect="1"/>
           </p:cNvPicPr>
@@ -22175,38 +22875,8 @@
         </p:blipFill>
         <p:spPr>
           <a:xfrm>
-            <a:off x="1233377" y="2846104"/>
-            <a:ext cx="2546949" cy="1593960"/>
-          </a:xfrm>
-          <a:prstGeom prst="rect">
-            <a:avLst/>
-          </a:prstGeom>
-        </p:spPr>
-      </p:pic>
-      <p:pic>
-        <p:nvPicPr>
-          <p:cNvPr id="6" name="Picture 5"/>
-          <p:cNvPicPr>
-            <a:picLocks noChangeAspect="1"/>
-          </p:cNvPicPr>
-          <p:nvPr/>
-        </p:nvPicPr>
-        <p:blipFill>
-          <a:blip r:embed="rId3">
-            <a:extLst>
-              <a:ext uri="{28A0092B-C50C-407E-A947-70E740481C1C}">
-                <a14:useLocalDpi xmlns:a14="http://schemas.microsoft.com/office/drawing/2010/main" val="0"/>
-              </a:ext>
-            </a:extLst>
-          </a:blip>
-          <a:stretch>
-            <a:fillRect/>
-          </a:stretch>
-        </p:blipFill>
-        <p:spPr>
-          <a:xfrm>
-            <a:off x="4603899" y="2846104"/>
-            <a:ext cx="2502662" cy="1595268"/>
+            <a:off x="1986819" y="3300549"/>
+            <a:ext cx="4606834" cy="1619793"/>
           </a:xfrm>
           <a:prstGeom prst="rect">
             <a:avLst/>
@@ -22233,7 +22903,7 @@
 </p:sld>
 </file>
 
-<file path=ppt/slides/slide11.xml><?xml version="1.0" encoding="utf-8"?>
+<file path=ppt/slides/slide12.xml><?xml version="1.0" encoding="utf-8"?>
 <p:sld xmlns:a="http://schemas.openxmlformats.org/drawingml/2006/main" xmlns:r="http://schemas.openxmlformats.org/officeDocument/2006/relationships" xmlns:p="http://schemas.openxmlformats.org/presentationml/2006/main">
   <p:cSld>
     <p:bg>
@@ -22912,8 +23582,8 @@
         </p:nvSpPr>
         <p:spPr>
           <a:xfrm>
-            <a:off x="1690780" y="754911"/>
-            <a:ext cx="5018365" cy="3955311"/>
+            <a:off x="1584453" y="1039968"/>
+            <a:ext cx="5018365" cy="3329409"/>
           </a:xfrm>
         </p:spPr>
         <p:txBody>
@@ -23064,7 +23734,7 @@
       </p:sp>
       <p:pic>
         <p:nvPicPr>
-          <p:cNvPr id="12" name="Picture 11"/>
+          <p:cNvPr id="3" name="Picture 2"/>
           <p:cNvPicPr>
             <a:picLocks noChangeAspect="1"/>
           </p:cNvPicPr>
@@ -23072,36 +23742,6 @@
         </p:nvPicPr>
         <p:blipFill>
           <a:blip r:embed="rId3">
-            <a:extLst>
-              <a:ext uri="{28A0092B-C50C-407E-A947-70E740481C1C}">
-                <a14:useLocalDpi xmlns:a14="http://schemas.microsoft.com/office/drawing/2010/main" val="0"/>
-              </a:ext>
-            </a:extLst>
-          </a:blip>
-          <a:stretch>
-            <a:fillRect/>
-          </a:stretch>
-        </p:blipFill>
-        <p:spPr>
-          <a:xfrm>
-            <a:off x="6900937" y="3761338"/>
-            <a:ext cx="1938263" cy="1221082"/>
-          </a:xfrm>
-          <a:prstGeom prst="rect">
-            <a:avLst/>
-          </a:prstGeom>
-        </p:spPr>
-      </p:pic>
-      <p:pic>
-        <p:nvPicPr>
-          <p:cNvPr id="3" name="Picture 2"/>
-          <p:cNvPicPr>
-            <a:picLocks noChangeAspect="1"/>
-          </p:cNvPicPr>
-          <p:nvPr/>
-        </p:nvPicPr>
-        <p:blipFill>
-          <a:blip r:embed="rId4">
             <a:extLst>
               <a:ext uri="{28A0092B-C50C-407E-A947-70E740481C1C}">
                 <a14:useLocalDpi xmlns:a14="http://schemas.microsoft.com/office/drawing/2010/main" val="0"/>
@@ -23131,7 +23771,7 @@
           <p:nvPr/>
         </p:nvPicPr>
         <p:blipFill>
-          <a:blip r:embed="rId5">
+          <a:blip r:embed="rId4">
             <a:extLst>
               <a:ext uri="{28A0092B-C50C-407E-A947-70E740481C1C}">
                 <a14:useLocalDpi xmlns:a14="http://schemas.microsoft.com/office/drawing/2010/main" val="0"/>
@@ -23161,7 +23801,7 @@
           <p:nvPr/>
         </p:nvPicPr>
         <p:blipFill>
-          <a:blip r:embed="rId6">
+          <a:blip r:embed="rId5">
             <a:extLst>
               <a:ext uri="{28A0092B-C50C-407E-A947-70E740481C1C}">
                 <a14:useLocalDpi xmlns:a14="http://schemas.microsoft.com/office/drawing/2010/main" val="0"/>
@@ -23191,7 +23831,7 @@
           <p:nvPr/>
         </p:nvPicPr>
         <p:blipFill>
-          <a:blip r:embed="rId7">
+          <a:blip r:embed="rId6">
             <a:extLst>
               <a:ext uri="{28A0092B-C50C-407E-A947-70E740481C1C}">
                 <a14:useLocalDpi xmlns:a14="http://schemas.microsoft.com/office/drawing/2010/main" val="0"/>
@@ -23252,6 +23892,36 @@
           </a:p>
         </p:txBody>
       </p:sp>
+      <p:pic>
+        <p:nvPicPr>
+          <p:cNvPr id="10" name="Picture 9"/>
+          <p:cNvPicPr>
+            <a:picLocks noChangeAspect="1"/>
+          </p:cNvPicPr>
+          <p:nvPr/>
+        </p:nvPicPr>
+        <p:blipFill>
+          <a:blip r:embed="rId7">
+            <a:extLst>
+              <a:ext uri="{28A0092B-C50C-407E-A947-70E740481C1C}">
+                <a14:useLocalDpi xmlns:a14="http://schemas.microsoft.com/office/drawing/2010/main" val="0"/>
+              </a:ext>
+            </a:extLst>
+          </a:blip>
+          <a:stretch>
+            <a:fillRect/>
+          </a:stretch>
+        </p:blipFill>
+        <p:spPr>
+          <a:xfrm>
+            <a:off x="6602819" y="3718350"/>
+            <a:ext cx="2340884" cy="1302055"/>
+          </a:xfrm>
+          <a:prstGeom prst="rect">
+            <a:avLst/>
+          </a:prstGeom>
+        </p:spPr>
+      </p:pic>
     </p:spTree>
     <p:extLst>
       <p:ext uri="{BB962C8B-B14F-4D97-AF65-F5344CB8AC3E}">
@@ -23404,8 +24074,31 @@
                 <a:ea typeface="Kefa" charset="0"/>
                 <a:cs typeface="Kefa" charset="0"/>
               </a:rPr>
-              <a:t>Database for Screening Mammography (DDSM)</a:t>
+              <a:t>Database for Screening Mammography (DDSM</a:t>
             </a:r>
+            <a:r>
+              <a:rPr lang="en-US" dirty="0" smtClean="0">
+                <a:solidFill>
+                  <a:schemeClr val="accent1">
+                    <a:lumMod val="50000"/>
+                  </a:schemeClr>
+                </a:solidFill>
+                <a:latin typeface="Kefa" charset="0"/>
+                <a:ea typeface="Kefa" charset="0"/>
+                <a:cs typeface="Kefa" charset="0"/>
+              </a:rPr>
+              <a:t>) - Source</a:t>
+            </a:r>
+            <a:endParaRPr lang="en-US" dirty="0">
+              <a:solidFill>
+                <a:schemeClr val="accent1">
+                  <a:lumMod val="50000"/>
+                </a:schemeClr>
+              </a:solidFill>
+              <a:latin typeface="Kefa" charset="0"/>
+              <a:ea typeface="Kefa" charset="0"/>
+              <a:cs typeface="Kefa" charset="0"/>
+            </a:endParaRPr>
           </a:p>
           <a:p>
             <a:r>
@@ -24526,6 +25219,480 @@
           </a:p>
         </p:txBody>
       </p:sp>
+      <p:pic>
+        <p:nvPicPr>
+          <p:cNvPr id="2" name="Picture 1"/>
+          <p:cNvPicPr>
+            <a:picLocks noChangeAspect="1"/>
+          </p:cNvPicPr>
+          <p:nvPr/>
+        </p:nvPicPr>
+        <p:blipFill>
+          <a:blip r:embed="rId3">
+            <a:extLst>
+              <a:ext uri="{28A0092B-C50C-407E-A947-70E740481C1C}">
+                <a14:useLocalDpi xmlns:a14="http://schemas.microsoft.com/office/drawing/2010/main" val="0"/>
+              </a:ext>
+            </a:extLst>
+          </a:blip>
+          <a:stretch>
+            <a:fillRect/>
+          </a:stretch>
+        </p:blipFill>
+        <p:spPr>
+          <a:xfrm>
+            <a:off x="5383622" y="2908206"/>
+            <a:ext cx="3565444" cy="1902826"/>
+          </a:xfrm>
+          <a:prstGeom prst="rect">
+            <a:avLst/>
+          </a:prstGeom>
+        </p:spPr>
+      </p:pic>
+      <p:pic>
+        <p:nvPicPr>
+          <p:cNvPr id="3" name="Picture 2"/>
+          <p:cNvPicPr>
+            <a:picLocks noChangeAspect="1"/>
+          </p:cNvPicPr>
+          <p:nvPr/>
+        </p:nvPicPr>
+        <p:blipFill>
+          <a:blip r:embed="rId4">
+            <a:extLst>
+              <a:ext uri="{28A0092B-C50C-407E-A947-70E740481C1C}">
+                <a14:useLocalDpi xmlns:a14="http://schemas.microsoft.com/office/drawing/2010/main" val="0"/>
+              </a:ext>
+            </a:extLst>
+          </a:blip>
+          <a:stretch>
+            <a:fillRect/>
+          </a:stretch>
+        </p:blipFill>
+        <p:spPr>
+          <a:xfrm>
+            <a:off x="2562446" y="1759656"/>
+            <a:ext cx="2718397" cy="2099963"/>
+          </a:xfrm>
+          <a:prstGeom prst="rect">
+            <a:avLst/>
+          </a:prstGeom>
+        </p:spPr>
+      </p:pic>
+      <p:pic>
+        <p:nvPicPr>
+          <p:cNvPr id="4" name="Picture 3"/>
+          <p:cNvPicPr>
+            <a:picLocks noChangeAspect="1"/>
+          </p:cNvPicPr>
+          <p:nvPr/>
+        </p:nvPicPr>
+        <p:blipFill>
+          <a:blip r:embed="rId5">
+            <a:extLst>
+              <a:ext uri="{28A0092B-C50C-407E-A947-70E740481C1C}">
+                <a14:useLocalDpi xmlns:a14="http://schemas.microsoft.com/office/drawing/2010/main" val="0"/>
+              </a:ext>
+            </a:extLst>
+          </a:blip>
+          <a:stretch>
+            <a:fillRect/>
+          </a:stretch>
+        </p:blipFill>
+        <p:spPr>
+          <a:xfrm>
+            <a:off x="3163613" y="866564"/>
+            <a:ext cx="986087" cy="979513"/>
+          </a:xfrm>
+          <a:prstGeom prst="rect">
+            <a:avLst/>
+          </a:prstGeom>
+        </p:spPr>
+      </p:pic>
+      <p:pic>
+        <p:nvPicPr>
+          <p:cNvPr id="6" name="Picture 5"/>
+          <p:cNvPicPr>
+            <a:picLocks noChangeAspect="1"/>
+          </p:cNvPicPr>
+          <p:nvPr/>
+        </p:nvPicPr>
+        <p:blipFill>
+          <a:blip r:embed="rId6">
+            <a:extLst>
+              <a:ext uri="{28A0092B-C50C-407E-A947-70E740481C1C}">
+                <a14:useLocalDpi xmlns:a14="http://schemas.microsoft.com/office/drawing/2010/main" val="0"/>
+              </a:ext>
+            </a:extLst>
+          </a:blip>
+          <a:stretch>
+            <a:fillRect/>
+          </a:stretch>
+        </p:blipFill>
+        <p:spPr>
+          <a:xfrm>
+            <a:off x="3117237" y="3711448"/>
+            <a:ext cx="1078841" cy="1244816"/>
+          </a:xfrm>
+          <a:prstGeom prst="rect">
+            <a:avLst/>
+          </a:prstGeom>
+        </p:spPr>
+      </p:pic>
+      <p:pic>
+        <p:nvPicPr>
+          <p:cNvPr id="22" name="Picture 21"/>
+          <p:cNvPicPr>
+            <a:picLocks noChangeAspect="1"/>
+          </p:cNvPicPr>
+          <p:nvPr/>
+        </p:nvPicPr>
+        <p:blipFill>
+          <a:blip r:embed="rId7">
+            <a:extLst>
+              <a:ext uri="{28A0092B-C50C-407E-A947-70E740481C1C}">
+                <a14:useLocalDpi xmlns:a14="http://schemas.microsoft.com/office/drawing/2010/main" val="0"/>
+              </a:ext>
+            </a:extLst>
+          </a:blip>
+          <a:stretch>
+            <a:fillRect/>
+          </a:stretch>
+        </p:blipFill>
+        <p:spPr>
+          <a:xfrm>
+            <a:off x="5383621" y="866564"/>
+            <a:ext cx="3565445" cy="1868861"/>
+          </a:xfrm>
+          <a:prstGeom prst="rect">
+            <a:avLst/>
+          </a:prstGeom>
+        </p:spPr>
+      </p:pic>
+    </p:spTree>
+    <p:extLst>
+      <p:ext uri="{BB962C8B-B14F-4D97-AF65-F5344CB8AC3E}">
+        <p14:creationId xmlns:p14="http://schemas.microsoft.com/office/powerpoint/2010/main" val="1372238127"/>
+      </p:ext>
+    </p:extLst>
+  </p:cSld>
+  <p:clrMapOvr>
+    <a:masterClrMapping/>
+  </p:clrMapOvr>
+  <p:timing>
+    <p:tnLst>
+      <p:par>
+        <p:cTn id="1" dur="indefinite" restart="never" nodeType="tmRoot"/>
+      </p:par>
+    </p:tnLst>
+  </p:timing>
+</p:sld>
+</file>
+
+<file path=ppt/slides/slide6.xml><?xml version="1.0" encoding="utf-8"?>
+<p:sld xmlns:a="http://schemas.openxmlformats.org/drawingml/2006/main" xmlns:r="http://schemas.openxmlformats.org/officeDocument/2006/relationships" xmlns:p="http://schemas.openxmlformats.org/presentationml/2006/main">
+  <p:cSld>
+    <p:bg>
+      <p:bgPr>
+        <a:solidFill>
+          <a:schemeClr val="accent4">
+            <a:lumMod val="20000"/>
+            <a:lumOff val="80000"/>
+          </a:schemeClr>
+        </a:solidFill>
+        <a:effectLst/>
+      </p:bgPr>
+    </p:bg>
+    <p:spTree>
+      <p:nvGrpSpPr>
+        <p:cNvPr id="1" name="Shape 355"/>
+        <p:cNvGrpSpPr/>
+        <p:nvPr/>
+      </p:nvGrpSpPr>
+      <p:grpSpPr>
+        <a:xfrm>
+          <a:off x="0" y="0"/>
+          <a:ext cx="0" cy="0"/>
+          <a:chOff x="0" y="0"/>
+          <a:chExt cx="0" cy="0"/>
+        </a:xfrm>
+      </p:grpSpPr>
+      <p:sp>
+        <p:nvSpPr>
+          <p:cNvPr id="10" name="Title 1"/>
+          <p:cNvSpPr txBox="1">
+            <a:spLocks/>
+          </p:cNvSpPr>
+          <p:nvPr/>
+        </p:nvSpPr>
+        <p:spPr>
+          <a:xfrm>
+            <a:off x="2200533" y="96890"/>
+            <a:ext cx="4827588" cy="645300"/>
+          </a:xfrm>
+          <a:prstGeom prst="rect">
+            <a:avLst/>
+          </a:prstGeom>
+        </p:spPr>
+        <p:txBody>
+          <a:bodyPr/>
+          <a:lstStyle>
+            <a:defPPr marR="0" lvl="0" algn="l" rtl="0">
+              <a:lnSpc>
+                <a:spcPct val="100000"/>
+              </a:lnSpc>
+              <a:spcBef>
+                <a:spcPts val="0"/>
+              </a:spcBef>
+              <a:spcAft>
+                <a:spcPts val="0"/>
+              </a:spcAft>
+            </a:defPPr>
+            <a:lvl1pPr marR="0" lvl="0" algn="l" rtl="0">
+              <a:lnSpc>
+                <a:spcPct val="100000"/>
+              </a:lnSpc>
+              <a:spcBef>
+                <a:spcPts val="0"/>
+              </a:spcBef>
+              <a:spcAft>
+                <a:spcPts val="0"/>
+              </a:spcAft>
+              <a:buClr>
+                <a:srgbClr val="000000"/>
+              </a:buClr>
+              <a:buFont typeface="Arial"/>
+              <a:defRPr sz="1400" b="0" i="0" u="none" strike="noStrike" cap="none">
+                <a:solidFill>
+                  <a:srgbClr val="000000"/>
+                </a:solidFill>
+                <a:latin typeface="Arial"/>
+                <a:ea typeface="Arial"/>
+                <a:cs typeface="Arial"/>
+                <a:sym typeface="Arial"/>
+              </a:defRPr>
+            </a:lvl1pPr>
+            <a:lvl2pPr marR="0" lvl="1" algn="l" rtl="0">
+              <a:lnSpc>
+                <a:spcPct val="100000"/>
+              </a:lnSpc>
+              <a:spcBef>
+                <a:spcPts val="0"/>
+              </a:spcBef>
+              <a:spcAft>
+                <a:spcPts val="0"/>
+              </a:spcAft>
+              <a:buClr>
+                <a:srgbClr val="000000"/>
+              </a:buClr>
+              <a:buFont typeface="Arial"/>
+              <a:defRPr sz="1400" b="0" i="0" u="none" strike="noStrike" cap="none">
+                <a:solidFill>
+                  <a:srgbClr val="000000"/>
+                </a:solidFill>
+                <a:latin typeface="Arial"/>
+                <a:ea typeface="Arial"/>
+                <a:cs typeface="Arial"/>
+                <a:sym typeface="Arial"/>
+              </a:defRPr>
+            </a:lvl2pPr>
+            <a:lvl3pPr marR="0" lvl="2" algn="l" rtl="0">
+              <a:lnSpc>
+                <a:spcPct val="100000"/>
+              </a:lnSpc>
+              <a:spcBef>
+                <a:spcPts val="0"/>
+              </a:spcBef>
+              <a:spcAft>
+                <a:spcPts val="0"/>
+              </a:spcAft>
+              <a:buClr>
+                <a:srgbClr val="000000"/>
+              </a:buClr>
+              <a:buFont typeface="Arial"/>
+              <a:defRPr sz="1400" b="0" i="0" u="none" strike="noStrike" cap="none">
+                <a:solidFill>
+                  <a:srgbClr val="000000"/>
+                </a:solidFill>
+                <a:latin typeface="Arial"/>
+                <a:ea typeface="Arial"/>
+                <a:cs typeface="Arial"/>
+                <a:sym typeface="Arial"/>
+              </a:defRPr>
+            </a:lvl3pPr>
+            <a:lvl4pPr marR="0" lvl="3" algn="l" rtl="0">
+              <a:lnSpc>
+                <a:spcPct val="100000"/>
+              </a:lnSpc>
+              <a:spcBef>
+                <a:spcPts val="0"/>
+              </a:spcBef>
+              <a:spcAft>
+                <a:spcPts val="0"/>
+              </a:spcAft>
+              <a:buClr>
+                <a:srgbClr val="000000"/>
+              </a:buClr>
+              <a:buFont typeface="Arial"/>
+              <a:defRPr sz="1400" b="0" i="0" u="none" strike="noStrike" cap="none">
+                <a:solidFill>
+                  <a:srgbClr val="000000"/>
+                </a:solidFill>
+                <a:latin typeface="Arial"/>
+                <a:ea typeface="Arial"/>
+                <a:cs typeface="Arial"/>
+                <a:sym typeface="Arial"/>
+              </a:defRPr>
+            </a:lvl4pPr>
+            <a:lvl5pPr marR="0" lvl="4" algn="l" rtl="0">
+              <a:lnSpc>
+                <a:spcPct val="100000"/>
+              </a:lnSpc>
+              <a:spcBef>
+                <a:spcPts val="0"/>
+              </a:spcBef>
+              <a:spcAft>
+                <a:spcPts val="0"/>
+              </a:spcAft>
+              <a:buClr>
+                <a:srgbClr val="000000"/>
+              </a:buClr>
+              <a:buFont typeface="Arial"/>
+              <a:defRPr sz="1400" b="0" i="0" u="none" strike="noStrike" cap="none">
+                <a:solidFill>
+                  <a:srgbClr val="000000"/>
+                </a:solidFill>
+                <a:latin typeface="Arial"/>
+                <a:ea typeface="Arial"/>
+                <a:cs typeface="Arial"/>
+                <a:sym typeface="Arial"/>
+              </a:defRPr>
+            </a:lvl5pPr>
+            <a:lvl6pPr marR="0" lvl="5" algn="l" rtl="0">
+              <a:lnSpc>
+                <a:spcPct val="100000"/>
+              </a:lnSpc>
+              <a:spcBef>
+                <a:spcPts val="0"/>
+              </a:spcBef>
+              <a:spcAft>
+                <a:spcPts val="0"/>
+              </a:spcAft>
+              <a:buClr>
+                <a:srgbClr val="000000"/>
+              </a:buClr>
+              <a:buFont typeface="Arial"/>
+              <a:defRPr sz="1400" b="0" i="0" u="none" strike="noStrike" cap="none">
+                <a:solidFill>
+                  <a:srgbClr val="000000"/>
+                </a:solidFill>
+                <a:latin typeface="Arial"/>
+                <a:ea typeface="Arial"/>
+                <a:cs typeface="Arial"/>
+                <a:sym typeface="Arial"/>
+              </a:defRPr>
+            </a:lvl6pPr>
+            <a:lvl7pPr marR="0" lvl="6" algn="l" rtl="0">
+              <a:lnSpc>
+                <a:spcPct val="100000"/>
+              </a:lnSpc>
+              <a:spcBef>
+                <a:spcPts val="0"/>
+              </a:spcBef>
+              <a:spcAft>
+                <a:spcPts val="0"/>
+              </a:spcAft>
+              <a:buClr>
+                <a:srgbClr val="000000"/>
+              </a:buClr>
+              <a:buFont typeface="Arial"/>
+              <a:defRPr sz="1400" b="0" i="0" u="none" strike="noStrike" cap="none">
+                <a:solidFill>
+                  <a:srgbClr val="000000"/>
+                </a:solidFill>
+                <a:latin typeface="Arial"/>
+                <a:ea typeface="Arial"/>
+                <a:cs typeface="Arial"/>
+                <a:sym typeface="Arial"/>
+              </a:defRPr>
+            </a:lvl7pPr>
+            <a:lvl8pPr marR="0" lvl="7" algn="l" rtl="0">
+              <a:lnSpc>
+                <a:spcPct val="100000"/>
+              </a:lnSpc>
+              <a:spcBef>
+                <a:spcPts val="0"/>
+              </a:spcBef>
+              <a:spcAft>
+                <a:spcPts val="0"/>
+              </a:spcAft>
+              <a:buClr>
+                <a:srgbClr val="000000"/>
+              </a:buClr>
+              <a:buFont typeface="Arial"/>
+              <a:defRPr sz="1400" b="0" i="0" u="none" strike="noStrike" cap="none">
+                <a:solidFill>
+                  <a:srgbClr val="000000"/>
+                </a:solidFill>
+                <a:latin typeface="Arial"/>
+                <a:ea typeface="Arial"/>
+                <a:cs typeface="Arial"/>
+                <a:sym typeface="Arial"/>
+              </a:defRPr>
+            </a:lvl8pPr>
+            <a:lvl9pPr marR="0" lvl="8" algn="l" rtl="0">
+              <a:lnSpc>
+                <a:spcPct val="100000"/>
+              </a:lnSpc>
+              <a:spcBef>
+                <a:spcPts val="0"/>
+              </a:spcBef>
+              <a:spcAft>
+                <a:spcPts val="0"/>
+              </a:spcAft>
+              <a:buClr>
+                <a:srgbClr val="000000"/>
+              </a:buClr>
+              <a:buFont typeface="Arial"/>
+              <a:defRPr sz="1400" b="0" i="0" u="none" strike="noStrike" cap="none">
+                <a:solidFill>
+                  <a:srgbClr val="000000"/>
+                </a:solidFill>
+                <a:latin typeface="Arial"/>
+                <a:ea typeface="Arial"/>
+                <a:cs typeface="Arial"/>
+                <a:sym typeface="Arial"/>
+              </a:defRPr>
+            </a:lvl9pPr>
+          </a:lstStyle>
+          <a:p>
+            <a:pPr algn="ctr"/>
+            <a:r>
+              <a:rPr lang="en-US" sz="4000" dirty="0" smtClean="0">
+                <a:solidFill>
+                  <a:schemeClr val="accent1">
+                    <a:lumMod val="50000"/>
+                  </a:schemeClr>
+                </a:solidFill>
+                <a:latin typeface="Kefa" charset="0"/>
+                <a:ea typeface="Kefa" charset="0"/>
+                <a:cs typeface="Kefa" charset="0"/>
+              </a:rPr>
+              <a:t>Working</a:t>
+            </a:r>
+            <a:endParaRPr lang="en-US" sz="4000" dirty="0">
+              <a:solidFill>
+                <a:schemeClr val="accent1">
+                  <a:lumMod val="50000"/>
+                </a:schemeClr>
+              </a:solidFill>
+              <a:latin typeface="Kefa" charset="0"/>
+              <a:ea typeface="Kefa" charset="0"/>
+              <a:cs typeface="Kefa" charset="0"/>
+            </a:endParaRPr>
+          </a:p>
+        </p:txBody>
+      </p:sp>
       <p:sp>
         <p:nvSpPr>
           <p:cNvPr id="13" name="Text Placeholder 2"/>
@@ -24538,19 +25705,19 @@
         </p:nvSpPr>
         <p:spPr>
           <a:xfrm>
-            <a:off x="1828598" y="986738"/>
-            <a:ext cx="6571124" cy="3936136"/>
+            <a:off x="2200533" y="897488"/>
+            <a:ext cx="5795151" cy="3908428"/>
           </a:xfrm>
         </p:spPr>
         <p:txBody>
           <a:bodyPr/>
           <a:lstStyle/>
           <a:p>
-            <a:pPr>
+            <a:pPr algn="just">
               <a:buSzPct val="115000"/>
             </a:pPr>
             <a:r>
-              <a:rPr lang="en-US" sz="1400" dirty="0">
+              <a:rPr lang="en-US" sz="1200" dirty="0" smtClean="0">
                 <a:solidFill>
                   <a:schemeClr val="accent1">
                     <a:lumMod val="50000"/>
@@ -24560,10 +25727,10 @@
                 <a:ea typeface="Kefa" charset="0"/>
                 <a:cs typeface="Kefa" charset="0"/>
               </a:rPr>
-              <a:t> </a:t>
+              <a:t>Downloaded </a:t>
             </a:r>
             <a:r>
-              <a:rPr lang="en-US" sz="1400" dirty="0" smtClean="0">
+              <a:rPr lang="en-US" sz="1200" dirty="0" smtClean="0">
                 <a:solidFill>
                   <a:schemeClr val="accent1">
                     <a:lumMod val="50000"/>
@@ -24573,14 +25740,14 @@
                 <a:ea typeface="Kefa" charset="0"/>
                 <a:cs typeface="Kefa" charset="0"/>
               </a:rPr>
-              <a:t>Downloaded DICOM images and converted to JPEG format.</a:t>
+              <a:t>DICOM images and converted to JPEG format</a:t>
             </a:r>
           </a:p>
           <a:p>
-            <a:pPr>
+            <a:pPr algn="just">
               <a:buSzPct val="115000"/>
             </a:pPr>
-            <a:endParaRPr lang="en-US" sz="1400" dirty="0" smtClean="0">
+            <a:endParaRPr lang="en-US" sz="1200" dirty="0" smtClean="0">
               <a:solidFill>
                 <a:schemeClr val="accent1">
                   <a:lumMod val="50000"/>
@@ -24592,11 +25759,11 @@
             </a:endParaRPr>
           </a:p>
           <a:p>
-            <a:pPr>
+            <a:pPr algn="just">
               <a:buSzPct val="115000"/>
             </a:pPr>
             <a:r>
-              <a:rPr lang="en-US" sz="1400" dirty="0">
+              <a:rPr lang="en-US" sz="1200" dirty="0">
                 <a:solidFill>
                   <a:schemeClr val="accent1">
                     <a:lumMod val="50000"/>
@@ -24610,11 +25777,11 @@
             </a:r>
           </a:p>
           <a:p>
-            <a:pPr lvl="1">
+            <a:pPr lvl="1" algn="just">
               <a:buSzPct val="115000"/>
             </a:pPr>
             <a:r>
-              <a:rPr lang="en-US" sz="1400" dirty="0">
+              <a:rPr lang="en-US" sz="1200" dirty="0">
                 <a:solidFill>
                   <a:schemeClr val="accent1">
                     <a:lumMod val="50000"/>
@@ -24627,7 +25794,7 @@
               <a:t>Cranial Caudal </a:t>
             </a:r>
             <a:r>
-              <a:rPr lang="mr-IN" sz="1400" dirty="0">
+              <a:rPr lang="mr-IN" sz="1200" dirty="0">
                 <a:solidFill>
                   <a:schemeClr val="accent1">
                     <a:lumMod val="50000"/>
@@ -24640,7 +25807,7 @@
               <a:t>–</a:t>
             </a:r>
             <a:r>
-              <a:rPr lang="en-US" sz="1400" dirty="0">
+              <a:rPr lang="en-US" sz="1200" dirty="0">
                 <a:solidFill>
                   <a:schemeClr val="accent1">
                     <a:lumMod val="50000"/>
@@ -24654,11 +25821,11 @@
             </a:r>
           </a:p>
           <a:p>
-            <a:pPr lvl="1">
+            <a:pPr lvl="1" algn="just">
               <a:buSzPct val="115000"/>
             </a:pPr>
             <a:r>
-              <a:rPr lang="en-US" sz="1400" dirty="0">
+              <a:rPr lang="en-US" sz="1200" dirty="0">
                 <a:solidFill>
                   <a:schemeClr val="accent1">
                     <a:lumMod val="50000"/>
@@ -24671,7 +25838,7 @@
               <a:t>Medio-Lateral Oblique </a:t>
             </a:r>
             <a:r>
-              <a:rPr lang="mr-IN" sz="1400" dirty="0">
+              <a:rPr lang="mr-IN" sz="1200" dirty="0">
                 <a:solidFill>
                   <a:schemeClr val="accent1">
                     <a:lumMod val="50000"/>
@@ -24684,7 +25851,7 @@
               <a:t>–</a:t>
             </a:r>
             <a:r>
-              <a:rPr lang="en-US" sz="1400" dirty="0">
+              <a:rPr lang="en-US" sz="1200" dirty="0">
                 <a:solidFill>
                   <a:schemeClr val="accent1">
                     <a:lumMod val="50000"/>
@@ -24697,7 +25864,7 @@
               <a:t> </a:t>
             </a:r>
             <a:r>
-              <a:rPr lang="en-US" sz="1400" dirty="0" smtClean="0">
+              <a:rPr lang="en-US" sz="1200" dirty="0" smtClean="0">
                 <a:solidFill>
                   <a:schemeClr val="accent1">
                     <a:lumMod val="50000"/>
@@ -24714,7 +25881,7 @@
             <a:pPr lvl="1">
               <a:buSzPct val="115000"/>
             </a:pPr>
-            <a:endParaRPr lang="en-US" sz="1400" dirty="0" smtClean="0">
+            <a:endParaRPr lang="en-US" sz="1200" dirty="0" smtClean="0">
               <a:solidFill>
                 <a:schemeClr val="accent1">
                   <a:lumMod val="50000"/>
@@ -24730,7 +25897,7 @@
               <a:buSzPct val="115000"/>
             </a:pPr>
             <a:r>
-              <a:rPr lang="en-US" sz="1400" dirty="0" smtClean="0">
+              <a:rPr lang="en-US" sz="1200" dirty="0" smtClean="0">
                 <a:solidFill>
                   <a:schemeClr val="accent1">
                     <a:lumMod val="50000"/>
@@ -24740,15 +25907,15 @@
                 <a:ea typeface="Kefa" charset="0"/>
                 <a:cs typeface="Kefa" charset="0"/>
               </a:rPr>
-              <a:t>Using below libraries:</a:t>
+              <a:t>Used below libraries till now:</a:t>
             </a:r>
           </a:p>
           <a:p>
-            <a:pPr lvl="1">
+            <a:pPr lvl="1" algn="just">
               <a:buSzPct val="115000"/>
             </a:pPr>
             <a:r>
-              <a:rPr lang="en-US" sz="1400" u="sng" dirty="0" smtClean="0">
+              <a:rPr lang="en-US" sz="1200" u="sng" dirty="0" smtClean="0">
                 <a:solidFill>
                   <a:schemeClr val="accent1">
                     <a:lumMod val="50000"/>
@@ -24761,7 +25928,7 @@
               <a:t>OpenCV (CV2) </a:t>
             </a:r>
             <a:r>
-              <a:rPr lang="mr-IN" sz="1400" dirty="0" smtClean="0">
+              <a:rPr lang="mr-IN" sz="1200" dirty="0" smtClean="0">
                 <a:solidFill>
                   <a:schemeClr val="accent1">
                     <a:lumMod val="50000"/>
@@ -24774,7 +25941,7 @@
               <a:t>–</a:t>
             </a:r>
             <a:r>
-              <a:rPr lang="en-US" sz="1400" dirty="0" smtClean="0">
+              <a:rPr lang="en-US" sz="1200" dirty="0" smtClean="0">
                 <a:solidFill>
                   <a:schemeClr val="accent1">
                     <a:lumMod val="50000"/>
@@ -24787,7 +25954,7 @@
               <a:t> Optimized </a:t>
             </a:r>
             <a:r>
-              <a:rPr lang="en-US" sz="1400" dirty="0">
+              <a:rPr lang="en-US" sz="1200" dirty="0">
                 <a:solidFill>
                   <a:schemeClr val="accent1">
                     <a:lumMod val="50000"/>
@@ -24800,7 +25967,7 @@
               <a:t>library for numerical operations with a MATLAB-style </a:t>
             </a:r>
             <a:r>
-              <a:rPr lang="en-US" sz="1400" dirty="0" smtClean="0">
+              <a:rPr lang="en-US" sz="1200" dirty="0" smtClean="0">
                 <a:solidFill>
                   <a:schemeClr val="accent1">
                     <a:lumMod val="50000"/>
@@ -24812,12 +25979,7 @@
               </a:rPr>
               <a:t>syntax which uses Numpy</a:t>
             </a:r>
-          </a:p>
-          <a:p>
-            <a:pPr lvl="1">
-              <a:buSzPct val="115000"/>
-            </a:pPr>
-            <a:endParaRPr lang="en-US" sz="1400" dirty="0">
+            <a:endParaRPr lang="en-US" sz="1200" dirty="0">
               <a:solidFill>
                 <a:schemeClr val="accent1">
                   <a:lumMod val="50000"/>
@@ -24829,11 +25991,11 @@
             </a:endParaRPr>
           </a:p>
           <a:p>
-            <a:pPr lvl="1">
+            <a:pPr lvl="1" algn="just">
               <a:buSzPct val="115000"/>
             </a:pPr>
             <a:r>
-              <a:rPr lang="en-US" sz="1400" u="sng" dirty="0" smtClean="0">
+              <a:rPr lang="en-US" sz="1200" u="sng" dirty="0" smtClean="0">
                 <a:solidFill>
                   <a:schemeClr val="accent1">
                     <a:lumMod val="50000"/>
@@ -24846,7 +26008,7 @@
               <a:t>DICOM</a:t>
             </a:r>
             <a:r>
-              <a:rPr lang="en-US" sz="1400" dirty="0" smtClean="0">
+              <a:rPr lang="en-US" sz="1200" dirty="0" smtClean="0">
                 <a:solidFill>
                   <a:schemeClr val="accent1">
                     <a:lumMod val="50000"/>
@@ -24859,7 +26021,7 @@
               <a:t> </a:t>
             </a:r>
             <a:r>
-              <a:rPr lang="mr-IN" sz="1400" dirty="0" smtClean="0">
+              <a:rPr lang="mr-IN" sz="1200" dirty="0" smtClean="0">
                 <a:solidFill>
                   <a:schemeClr val="accent1">
                     <a:lumMod val="50000"/>
@@ -24872,7 +26034,7 @@
               <a:t>–</a:t>
             </a:r>
             <a:r>
-              <a:rPr lang="en-US" sz="1400" dirty="0" smtClean="0">
+              <a:rPr lang="en-US" sz="1200" dirty="0" smtClean="0">
                 <a:solidFill>
                   <a:schemeClr val="accent1">
                     <a:lumMod val="50000"/>
@@ -24885,7 +26047,7 @@
               <a:t> </a:t>
             </a:r>
             <a:r>
-              <a:rPr lang="en-US" sz="1400" dirty="0">
+              <a:rPr lang="en-US" sz="1200" dirty="0">
                 <a:solidFill>
                   <a:schemeClr val="accent1">
                     <a:lumMod val="50000"/>
@@ -24898,7 +26060,7 @@
               <a:t>Digital Imaging and COmmunications in </a:t>
             </a:r>
             <a:r>
-              <a:rPr lang="en-US" sz="1400" dirty="0" smtClean="0">
+              <a:rPr lang="en-US" sz="1200" dirty="0" smtClean="0">
                 <a:solidFill>
                   <a:schemeClr val="accent1">
                     <a:lumMod val="50000"/>
@@ -24908,10 +26070,23 @@
                 <a:ea typeface="Kefa" charset="0"/>
                 <a:cs typeface="Kefa" charset="0"/>
               </a:rPr>
-              <a:t>Medicine. it </a:t>
+              <a:t>Medicine. </a:t>
             </a:r>
             <a:r>
-              <a:rPr lang="en-US" sz="1400" dirty="0">
+              <a:rPr lang="en-US" sz="1200" dirty="0" smtClean="0">
+                <a:solidFill>
+                  <a:schemeClr val="accent1">
+                    <a:lumMod val="50000"/>
+                  </a:schemeClr>
+                </a:solidFill>
+                <a:latin typeface="Kefa" charset="0"/>
+                <a:ea typeface="Kefa" charset="0"/>
+                <a:cs typeface="Kefa" charset="0"/>
+              </a:rPr>
+              <a:t>It </a:t>
+            </a:r>
+            <a:r>
+              <a:rPr lang="en-US" sz="1200" dirty="0">
                 <a:solidFill>
                   <a:schemeClr val="accent1">
                     <a:lumMod val="50000"/>
@@ -24924,7 +26099,7 @@
               <a:t>is </a:t>
             </a:r>
             <a:r>
-              <a:rPr lang="en-US" sz="1400" dirty="0" smtClean="0">
+              <a:rPr lang="en-US" sz="1200" dirty="0" smtClean="0">
                 <a:solidFill>
                   <a:schemeClr val="accent1">
                     <a:lumMod val="50000"/>
@@ -24937,7 +26112,7 @@
               <a:t>used to exchange</a:t>
             </a:r>
             <a:r>
-              <a:rPr lang="en-US" sz="1400" dirty="0">
+              <a:rPr lang="en-US" sz="1200" dirty="0">
                 <a:solidFill>
                   <a:schemeClr val="accent1">
                     <a:lumMod val="50000"/>
@@ -24950,7 +26125,7 @@
               <a:t>, </a:t>
             </a:r>
             <a:r>
-              <a:rPr lang="en-US" sz="1400" dirty="0" smtClean="0">
+              <a:rPr lang="en-US" sz="1200" dirty="0" smtClean="0">
                 <a:solidFill>
                   <a:schemeClr val="accent1">
                     <a:lumMod val="50000"/>
@@ -24963,7 +26138,7 @@
               <a:t>store </a:t>
             </a:r>
             <a:r>
-              <a:rPr lang="en-US" sz="1400" dirty="0">
+              <a:rPr lang="en-US" sz="1200" dirty="0">
                 <a:solidFill>
                   <a:schemeClr val="accent1">
                     <a:lumMod val="50000"/>
@@ -24976,7 +26151,7 @@
               <a:t>and </a:t>
             </a:r>
             <a:r>
-              <a:rPr lang="en-US" sz="1400" dirty="0" smtClean="0">
+              <a:rPr lang="en-US" sz="1200" dirty="0" smtClean="0">
                 <a:solidFill>
                   <a:schemeClr val="accent1">
                     <a:lumMod val="50000"/>
@@ -24989,7 +26164,7 @@
               <a:t>communicate with digital </a:t>
             </a:r>
             <a:r>
-              <a:rPr lang="en-US" sz="1400" dirty="0">
+              <a:rPr lang="en-US" sz="1200" dirty="0">
                 <a:solidFill>
                   <a:schemeClr val="accent1">
                     <a:lumMod val="50000"/>
@@ -25002,7 +26177,7 @@
               <a:t>medical </a:t>
             </a:r>
             <a:r>
-              <a:rPr lang="en-US" sz="1400" dirty="0" smtClean="0">
+              <a:rPr lang="en-US" sz="1200" dirty="0" smtClean="0">
                 <a:solidFill>
                   <a:schemeClr val="accent1">
                     <a:lumMod val="50000"/>
@@ -25014,12 +26189,7 @@
               </a:rPr>
               <a:t>images</a:t>
             </a:r>
-          </a:p>
-          <a:p>
-            <a:pPr lvl="1">
-              <a:buSzPct val="115000"/>
-            </a:pPr>
-            <a:endParaRPr lang="en-US" sz="1400" dirty="0">
+            <a:endParaRPr lang="en-US" sz="1200" dirty="0">
               <a:solidFill>
                 <a:schemeClr val="accent1">
                   <a:lumMod val="50000"/>
@@ -25031,11 +26201,11 @@
             </a:endParaRPr>
           </a:p>
           <a:p>
-            <a:pPr lvl="1">
+            <a:pPr lvl="1" algn="just">
               <a:buSzPct val="115000"/>
             </a:pPr>
             <a:r>
-              <a:rPr lang="en-US" sz="1400" u="sng" dirty="0" smtClean="0">
+              <a:rPr lang="en-US" sz="1200" u="sng" dirty="0" smtClean="0">
                 <a:solidFill>
                   <a:schemeClr val="accent1">
                     <a:lumMod val="50000"/>
@@ -25048,7 +26218,7 @@
               <a:t>Scipy</a:t>
             </a:r>
             <a:r>
-              <a:rPr lang="en-US" sz="1400" dirty="0" smtClean="0">
+              <a:rPr lang="en-US" sz="1200" dirty="0" smtClean="0">
                 <a:solidFill>
                   <a:schemeClr val="accent1">
                     <a:lumMod val="50000"/>
@@ -25061,7 +26231,7 @@
               <a:t> </a:t>
             </a:r>
             <a:r>
-              <a:rPr lang="mr-IN" sz="1400" dirty="0" smtClean="0">
+              <a:rPr lang="mr-IN" sz="1200" dirty="0" smtClean="0">
                 <a:solidFill>
                   <a:schemeClr val="accent1">
                     <a:lumMod val="50000"/>
@@ -25074,7 +26244,7 @@
               <a:t>–</a:t>
             </a:r>
             <a:r>
-              <a:rPr lang="en-US" sz="1400" dirty="0" smtClean="0">
+              <a:rPr lang="en-US" sz="1200" dirty="0" smtClean="0">
                 <a:solidFill>
                   <a:schemeClr val="accent1">
                     <a:lumMod val="50000"/>
@@ -25087,7 +26257,7 @@
               <a:t> Contains linear </a:t>
             </a:r>
             <a:r>
-              <a:rPr lang="en-US" sz="1400" dirty="0">
+              <a:rPr lang="en-US" sz="1200" dirty="0">
                 <a:solidFill>
                   <a:schemeClr val="accent1">
                     <a:lumMod val="50000"/>
@@ -25100,7 +26270,7 @@
               <a:t>algebra modules, as well as many other numerical </a:t>
             </a:r>
             <a:r>
-              <a:rPr lang="en-US" sz="1400" dirty="0" smtClean="0">
+              <a:rPr lang="en-US" sz="1200" dirty="0" smtClean="0">
                 <a:solidFill>
                   <a:schemeClr val="accent1">
                     <a:lumMod val="50000"/>
@@ -25112,7 +26282,77 @@
               </a:rPr>
               <a:t>algorithms. It is used for scientific mathematical computing</a:t>
             </a:r>
-            <a:endParaRPr lang="en-US" sz="1400" dirty="0">
+          </a:p>
+          <a:p>
+            <a:pPr lvl="1" algn="just">
+              <a:buSzPct val="115000"/>
+            </a:pPr>
+            <a:r>
+              <a:rPr lang="en-US" sz="1200" u="sng" dirty="0">
+                <a:solidFill>
+                  <a:schemeClr val="accent1">
+                    <a:lumMod val="50000"/>
+                  </a:schemeClr>
+                </a:solidFill>
+                <a:latin typeface="Kefa" charset="0"/>
+                <a:ea typeface="Kefa" charset="0"/>
+                <a:cs typeface="Kefa" charset="0"/>
+              </a:rPr>
+              <a:t>Boto3</a:t>
+            </a:r>
+            <a:r>
+              <a:rPr lang="en-US" sz="1200" dirty="0">
+                <a:solidFill>
+                  <a:schemeClr val="accent1">
+                    <a:lumMod val="50000"/>
+                  </a:schemeClr>
+                </a:solidFill>
+                <a:latin typeface="Kefa" charset="0"/>
+                <a:ea typeface="Kefa" charset="0"/>
+                <a:cs typeface="Kefa" charset="0"/>
+              </a:rPr>
+              <a:t> - </a:t>
+            </a:r>
+            <a:r>
+              <a:rPr lang="en-US" sz="1200" dirty="0" smtClean="0">
+                <a:solidFill>
+                  <a:schemeClr val="accent1">
+                    <a:lumMod val="50000"/>
+                  </a:schemeClr>
+                </a:solidFill>
+                <a:latin typeface="Kefa" charset="0"/>
+                <a:ea typeface="Kefa" charset="0"/>
+                <a:cs typeface="Kefa" charset="0"/>
+              </a:rPr>
+              <a:t>Itis </a:t>
+            </a:r>
+            <a:r>
+              <a:rPr lang="en-US" sz="1200" dirty="0">
+                <a:solidFill>
+                  <a:schemeClr val="accent1">
+                    <a:lumMod val="50000"/>
+                  </a:schemeClr>
+                </a:solidFill>
+                <a:latin typeface="Kefa" charset="0"/>
+                <a:ea typeface="Kefa" charset="0"/>
+                <a:cs typeface="Kefa" charset="0"/>
+              </a:rPr>
+              <a:t>the Amazon Web Services (AWS) SDK for </a:t>
+            </a:r>
+            <a:r>
+              <a:rPr lang="en-US" sz="1200" dirty="0" smtClean="0">
+                <a:solidFill>
+                  <a:schemeClr val="accent1">
+                    <a:lumMod val="50000"/>
+                  </a:schemeClr>
+                </a:solidFill>
+                <a:latin typeface="Kefa" charset="0"/>
+                <a:ea typeface="Kefa" charset="0"/>
+                <a:cs typeface="Kefa" charset="0"/>
+              </a:rPr>
+              <a:t>Python</a:t>
+            </a:r>
+            <a:endParaRPr lang="en-US" sz="1200" dirty="0">
               <a:solidFill>
                 <a:schemeClr val="accent1">
                   <a:lumMod val="50000"/>
@@ -25143,7 +26383,7 @@
     </p:spTree>
     <p:extLst>
       <p:ext uri="{BB962C8B-B14F-4D97-AF65-F5344CB8AC3E}">
-        <p14:creationId xmlns:p14="http://schemas.microsoft.com/office/powerpoint/2010/main" val="1372238127"/>
+        <p14:creationId xmlns:p14="http://schemas.microsoft.com/office/powerpoint/2010/main" val="138760431"/>
       </p:ext>
     </p:extLst>
   </p:cSld>
@@ -25160,7 +26400,7 @@
 </p:sld>
 </file>
 
-<file path=ppt/slides/slide6.xml><?xml version="1.0" encoding="utf-8"?>
+<file path=ppt/slides/slide7.xml><?xml version="1.0" encoding="utf-8"?>
 <p:sld xmlns:a="http://schemas.openxmlformats.org/drawingml/2006/main" xmlns:r="http://schemas.openxmlformats.org/officeDocument/2006/relationships" xmlns:p="http://schemas.openxmlformats.org/presentationml/2006/main">
   <p:cSld>
     <p:bg>
@@ -25669,6 +26909,9 @@
                     <a:lumMod val="50000"/>
                   </a:schemeClr>
                 </a:solidFill>
+                <a:latin typeface="Kefa" charset="0"/>
+                <a:ea typeface="Kefa" charset="0"/>
+                <a:cs typeface="Kefa" charset="0"/>
               </a:rPr>
               <a:t>Original Image</a:t>
             </a:r>
@@ -25678,6 +26921,9 @@
                   <a:lumMod val="50000"/>
                 </a:schemeClr>
               </a:solidFill>
+              <a:latin typeface="Kefa" charset="0"/>
+              <a:ea typeface="Kefa" charset="0"/>
+              <a:cs typeface="Kefa" charset="0"/>
             </a:endParaRPr>
           </a:p>
         </p:txBody>
@@ -26094,7 +27340,7 @@
 </p:sld>
 </file>
 
-<file path=ppt/slides/slide7.xml><?xml version="1.0" encoding="utf-8"?>
+<file path=ppt/slides/slide8.xml><?xml version="1.0" encoding="utf-8"?>
 <p:sld xmlns:a="http://schemas.openxmlformats.org/drawingml/2006/main" xmlns:r="http://schemas.openxmlformats.org/officeDocument/2006/relationships" xmlns:p="http://schemas.openxmlformats.org/presentationml/2006/main">
   <p:cSld>
     <p:bg>
@@ -27070,7 +28316,7 @@
 </p:sld>
 </file>
 
-<file path=ppt/slides/slide8.xml><?xml version="1.0" encoding="utf-8"?>
+<file path=ppt/slides/slide9.xml><?xml version="1.0" encoding="utf-8"?>
 <p:sld xmlns:a="http://schemas.openxmlformats.org/drawingml/2006/main" xmlns:r="http://schemas.openxmlformats.org/officeDocument/2006/relationships" xmlns:p="http://schemas.openxmlformats.org/presentationml/2006/main">
   <p:cSld>
     <p:bg>
@@ -28063,582 +29309,6 @@
 </p:sld>
 </file>
 
-<file path=ppt/slides/slide9.xml><?xml version="1.0" encoding="utf-8"?>
-<p:sld xmlns:a="http://schemas.openxmlformats.org/drawingml/2006/main" xmlns:r="http://schemas.openxmlformats.org/officeDocument/2006/relationships" xmlns:p="http://schemas.openxmlformats.org/presentationml/2006/main">
-  <p:cSld>
-    <p:bg>
-      <p:bgPr>
-        <a:solidFill>
-          <a:schemeClr val="accent4">
-            <a:lumMod val="20000"/>
-            <a:lumOff val="80000"/>
-          </a:schemeClr>
-        </a:solidFill>
-        <a:effectLst/>
-      </p:bgPr>
-    </p:bg>
-    <p:spTree>
-      <p:nvGrpSpPr>
-        <p:cNvPr id="1" name="Shape 355"/>
-        <p:cNvGrpSpPr/>
-        <p:nvPr/>
-      </p:nvGrpSpPr>
-      <p:grpSpPr>
-        <a:xfrm>
-          <a:off x="0" y="0"/>
-          <a:ext cx="0" cy="0"/>
-          <a:chOff x="0" y="0"/>
-          <a:chExt cx="0" cy="0"/>
-        </a:xfrm>
-      </p:grpSpPr>
-      <p:sp>
-        <p:nvSpPr>
-          <p:cNvPr id="10" name="Title 1"/>
-          <p:cNvSpPr txBox="1">
-            <a:spLocks/>
-          </p:cNvSpPr>
-          <p:nvPr/>
-        </p:nvSpPr>
-        <p:spPr>
-          <a:xfrm>
-            <a:off x="2083575" y="0"/>
-            <a:ext cx="4827588" cy="645300"/>
-          </a:xfrm>
-          <a:prstGeom prst="rect">
-            <a:avLst/>
-          </a:prstGeom>
-        </p:spPr>
-        <p:txBody>
-          <a:bodyPr/>
-          <a:lstStyle>
-            <a:defPPr marR="0" lvl="0" algn="l" rtl="0">
-              <a:lnSpc>
-                <a:spcPct val="100000"/>
-              </a:lnSpc>
-              <a:spcBef>
-                <a:spcPts val="0"/>
-              </a:spcBef>
-              <a:spcAft>
-                <a:spcPts val="0"/>
-              </a:spcAft>
-            </a:defPPr>
-            <a:lvl1pPr marR="0" lvl="0" algn="l" rtl="0">
-              <a:lnSpc>
-                <a:spcPct val="100000"/>
-              </a:lnSpc>
-              <a:spcBef>
-                <a:spcPts val="0"/>
-              </a:spcBef>
-              <a:spcAft>
-                <a:spcPts val="0"/>
-              </a:spcAft>
-              <a:buClr>
-                <a:srgbClr val="000000"/>
-              </a:buClr>
-              <a:buFont typeface="Arial"/>
-              <a:defRPr sz="1400" b="0" i="0" u="none" strike="noStrike" cap="none">
-                <a:solidFill>
-                  <a:srgbClr val="000000"/>
-                </a:solidFill>
-                <a:latin typeface="Arial"/>
-                <a:ea typeface="Arial"/>
-                <a:cs typeface="Arial"/>
-                <a:sym typeface="Arial"/>
-              </a:defRPr>
-            </a:lvl1pPr>
-            <a:lvl2pPr marR="0" lvl="1" algn="l" rtl="0">
-              <a:lnSpc>
-                <a:spcPct val="100000"/>
-              </a:lnSpc>
-              <a:spcBef>
-                <a:spcPts val="0"/>
-              </a:spcBef>
-              <a:spcAft>
-                <a:spcPts val="0"/>
-              </a:spcAft>
-              <a:buClr>
-                <a:srgbClr val="000000"/>
-              </a:buClr>
-              <a:buFont typeface="Arial"/>
-              <a:defRPr sz="1400" b="0" i="0" u="none" strike="noStrike" cap="none">
-                <a:solidFill>
-                  <a:srgbClr val="000000"/>
-                </a:solidFill>
-                <a:latin typeface="Arial"/>
-                <a:ea typeface="Arial"/>
-                <a:cs typeface="Arial"/>
-                <a:sym typeface="Arial"/>
-              </a:defRPr>
-            </a:lvl2pPr>
-            <a:lvl3pPr marR="0" lvl="2" algn="l" rtl="0">
-              <a:lnSpc>
-                <a:spcPct val="100000"/>
-              </a:lnSpc>
-              <a:spcBef>
-                <a:spcPts val="0"/>
-              </a:spcBef>
-              <a:spcAft>
-                <a:spcPts val="0"/>
-              </a:spcAft>
-              <a:buClr>
-                <a:srgbClr val="000000"/>
-              </a:buClr>
-              <a:buFont typeface="Arial"/>
-              <a:defRPr sz="1400" b="0" i="0" u="none" strike="noStrike" cap="none">
-                <a:solidFill>
-                  <a:srgbClr val="000000"/>
-                </a:solidFill>
-                <a:latin typeface="Arial"/>
-                <a:ea typeface="Arial"/>
-                <a:cs typeface="Arial"/>
-                <a:sym typeface="Arial"/>
-              </a:defRPr>
-            </a:lvl3pPr>
-            <a:lvl4pPr marR="0" lvl="3" algn="l" rtl="0">
-              <a:lnSpc>
-                <a:spcPct val="100000"/>
-              </a:lnSpc>
-              <a:spcBef>
-                <a:spcPts val="0"/>
-              </a:spcBef>
-              <a:spcAft>
-                <a:spcPts val="0"/>
-              </a:spcAft>
-              <a:buClr>
-                <a:srgbClr val="000000"/>
-              </a:buClr>
-              <a:buFont typeface="Arial"/>
-              <a:defRPr sz="1400" b="0" i="0" u="none" strike="noStrike" cap="none">
-                <a:solidFill>
-                  <a:srgbClr val="000000"/>
-                </a:solidFill>
-                <a:latin typeface="Arial"/>
-                <a:ea typeface="Arial"/>
-                <a:cs typeface="Arial"/>
-                <a:sym typeface="Arial"/>
-              </a:defRPr>
-            </a:lvl4pPr>
-            <a:lvl5pPr marR="0" lvl="4" algn="l" rtl="0">
-              <a:lnSpc>
-                <a:spcPct val="100000"/>
-              </a:lnSpc>
-              <a:spcBef>
-                <a:spcPts val="0"/>
-              </a:spcBef>
-              <a:spcAft>
-                <a:spcPts val="0"/>
-              </a:spcAft>
-              <a:buClr>
-                <a:srgbClr val="000000"/>
-              </a:buClr>
-              <a:buFont typeface="Arial"/>
-              <a:defRPr sz="1400" b="0" i="0" u="none" strike="noStrike" cap="none">
-                <a:solidFill>
-                  <a:srgbClr val="000000"/>
-                </a:solidFill>
-                <a:latin typeface="Arial"/>
-                <a:ea typeface="Arial"/>
-                <a:cs typeface="Arial"/>
-                <a:sym typeface="Arial"/>
-              </a:defRPr>
-            </a:lvl5pPr>
-            <a:lvl6pPr marR="0" lvl="5" algn="l" rtl="0">
-              <a:lnSpc>
-                <a:spcPct val="100000"/>
-              </a:lnSpc>
-              <a:spcBef>
-                <a:spcPts val="0"/>
-              </a:spcBef>
-              <a:spcAft>
-                <a:spcPts val="0"/>
-              </a:spcAft>
-              <a:buClr>
-                <a:srgbClr val="000000"/>
-              </a:buClr>
-              <a:buFont typeface="Arial"/>
-              <a:defRPr sz="1400" b="0" i="0" u="none" strike="noStrike" cap="none">
-                <a:solidFill>
-                  <a:srgbClr val="000000"/>
-                </a:solidFill>
-                <a:latin typeface="Arial"/>
-                <a:ea typeface="Arial"/>
-                <a:cs typeface="Arial"/>
-                <a:sym typeface="Arial"/>
-              </a:defRPr>
-            </a:lvl6pPr>
-            <a:lvl7pPr marR="0" lvl="6" algn="l" rtl="0">
-              <a:lnSpc>
-                <a:spcPct val="100000"/>
-              </a:lnSpc>
-              <a:spcBef>
-                <a:spcPts val="0"/>
-              </a:spcBef>
-              <a:spcAft>
-                <a:spcPts val="0"/>
-              </a:spcAft>
-              <a:buClr>
-                <a:srgbClr val="000000"/>
-              </a:buClr>
-              <a:buFont typeface="Arial"/>
-              <a:defRPr sz="1400" b="0" i="0" u="none" strike="noStrike" cap="none">
-                <a:solidFill>
-                  <a:srgbClr val="000000"/>
-                </a:solidFill>
-                <a:latin typeface="Arial"/>
-                <a:ea typeface="Arial"/>
-                <a:cs typeface="Arial"/>
-                <a:sym typeface="Arial"/>
-              </a:defRPr>
-            </a:lvl7pPr>
-            <a:lvl8pPr marR="0" lvl="7" algn="l" rtl="0">
-              <a:lnSpc>
-                <a:spcPct val="100000"/>
-              </a:lnSpc>
-              <a:spcBef>
-                <a:spcPts val="0"/>
-              </a:spcBef>
-              <a:spcAft>
-                <a:spcPts val="0"/>
-              </a:spcAft>
-              <a:buClr>
-                <a:srgbClr val="000000"/>
-              </a:buClr>
-              <a:buFont typeface="Arial"/>
-              <a:defRPr sz="1400" b="0" i="0" u="none" strike="noStrike" cap="none">
-                <a:solidFill>
-                  <a:srgbClr val="000000"/>
-                </a:solidFill>
-                <a:latin typeface="Arial"/>
-                <a:ea typeface="Arial"/>
-                <a:cs typeface="Arial"/>
-                <a:sym typeface="Arial"/>
-              </a:defRPr>
-            </a:lvl8pPr>
-            <a:lvl9pPr marR="0" lvl="8" algn="l" rtl="0">
-              <a:lnSpc>
-                <a:spcPct val="100000"/>
-              </a:lnSpc>
-              <a:spcBef>
-                <a:spcPts val="0"/>
-              </a:spcBef>
-              <a:spcAft>
-                <a:spcPts val="0"/>
-              </a:spcAft>
-              <a:buClr>
-                <a:srgbClr val="000000"/>
-              </a:buClr>
-              <a:buFont typeface="Arial"/>
-              <a:defRPr sz="1400" b="0" i="0" u="none" strike="noStrike" cap="none">
-                <a:solidFill>
-                  <a:srgbClr val="000000"/>
-                </a:solidFill>
-                <a:latin typeface="Arial"/>
-                <a:ea typeface="Arial"/>
-                <a:cs typeface="Arial"/>
-                <a:sym typeface="Arial"/>
-              </a:defRPr>
-            </a:lvl9pPr>
-          </a:lstStyle>
-          <a:p>
-            <a:pPr algn="ctr"/>
-            <a:r>
-              <a:rPr lang="en-US" sz="4000" dirty="0" smtClean="0">
-                <a:solidFill>
-                  <a:schemeClr val="accent1">
-                    <a:lumMod val="50000"/>
-                  </a:schemeClr>
-                </a:solidFill>
-                <a:latin typeface="Kefa" charset="0"/>
-                <a:ea typeface="Kefa" charset="0"/>
-                <a:cs typeface="Kefa" charset="0"/>
-              </a:rPr>
-              <a:t>Pre-Processing</a:t>
-            </a:r>
-            <a:endParaRPr lang="en-US" sz="4000" dirty="0">
-              <a:solidFill>
-                <a:schemeClr val="accent1">
-                  <a:lumMod val="50000"/>
-                </a:schemeClr>
-              </a:solidFill>
-              <a:latin typeface="Kefa" charset="0"/>
-              <a:ea typeface="Kefa" charset="0"/>
-              <a:cs typeface="Kefa" charset="0"/>
-            </a:endParaRPr>
-          </a:p>
-        </p:txBody>
-      </p:sp>
-      <p:sp>
-        <p:nvSpPr>
-          <p:cNvPr id="36" name="TextBox 35"/>
-          <p:cNvSpPr txBox="1"/>
-          <p:nvPr/>
-        </p:nvSpPr>
-        <p:spPr>
-          <a:xfrm>
-            <a:off x="3476647" y="3330091"/>
-            <a:ext cx="3136804" cy="1600438"/>
-          </a:xfrm>
-          <a:prstGeom prst="rect">
-            <a:avLst/>
-          </a:prstGeom>
-          <a:noFill/>
-        </p:spPr>
-        <p:txBody>
-          <a:bodyPr wrap="square" rtlCol="0">
-            <a:spAutoFit/>
-          </a:bodyPr>
-          <a:lstStyle/>
-          <a:p>
-            <a:pPr algn="ctr">
-              <a:buSzPct val="115000"/>
-            </a:pPr>
-            <a:r>
-              <a:rPr lang="en-US" sz="1200" dirty="0" smtClean="0">
-                <a:solidFill>
-                  <a:schemeClr val="accent1">
-                    <a:lumMod val="50000"/>
-                  </a:schemeClr>
-                </a:solidFill>
-                <a:latin typeface="Kefa" charset="0"/>
-                <a:ea typeface="Kefa" charset="0"/>
-                <a:cs typeface="Kefa" charset="0"/>
-              </a:rPr>
-              <a:t>Morphological Transformation an Masking</a:t>
-            </a:r>
-          </a:p>
-          <a:p>
-            <a:pPr algn="ctr">
-              <a:buSzPct val="115000"/>
-            </a:pPr>
-            <a:endParaRPr lang="en-US" sz="1200" dirty="0">
-              <a:solidFill>
-                <a:schemeClr val="accent1">
-                  <a:lumMod val="50000"/>
-                </a:schemeClr>
-              </a:solidFill>
-              <a:latin typeface="Kefa" charset="0"/>
-              <a:ea typeface="Kefa" charset="0"/>
-              <a:cs typeface="Kefa" charset="0"/>
-            </a:endParaRPr>
-          </a:p>
-          <a:p>
-            <a:pPr algn="ctr">
-              <a:buSzPct val="115000"/>
-            </a:pPr>
-            <a:r>
-              <a:rPr lang="en-US" sz="1200" dirty="0" smtClean="0">
-                <a:solidFill>
-                  <a:schemeClr val="accent1">
-                    <a:lumMod val="50000"/>
-                  </a:schemeClr>
-                </a:solidFill>
-                <a:latin typeface="Kefa" charset="0"/>
-                <a:ea typeface="Kefa" charset="0"/>
-                <a:cs typeface="Kefa" charset="0"/>
-              </a:rPr>
-              <a:t>Again image is eroded and dilated using </a:t>
-            </a:r>
-          </a:p>
-          <a:p>
-            <a:pPr algn="ctr">
-              <a:buSzPct val="115000"/>
-            </a:pPr>
-            <a:r>
-              <a:rPr lang="en-US" sz="1200" dirty="0">
-                <a:solidFill>
-                  <a:schemeClr val="accent1">
-                    <a:lumMod val="50000"/>
-                  </a:schemeClr>
-                </a:solidFill>
-                <a:latin typeface="Kefa" charset="0"/>
-                <a:ea typeface="Kefa" charset="0"/>
-                <a:cs typeface="Kefa" charset="0"/>
-              </a:rPr>
-              <a:t>cv2.morphologyEx - </a:t>
-            </a:r>
-            <a:r>
-              <a:rPr lang="en-US" sz="1200" dirty="0" smtClean="0">
-                <a:solidFill>
-                  <a:schemeClr val="accent1">
-                    <a:lumMod val="50000"/>
-                  </a:schemeClr>
-                </a:solidFill>
-                <a:latin typeface="Kefa" charset="0"/>
-                <a:ea typeface="Kefa" charset="0"/>
-                <a:cs typeface="Kefa" charset="0"/>
-              </a:rPr>
-              <a:t>MORPH_OPEN</a:t>
-            </a:r>
-          </a:p>
-          <a:p>
-            <a:pPr algn="ctr">
-              <a:buSzPct val="115000"/>
-            </a:pPr>
-            <a:endParaRPr lang="en-US" sz="1200" dirty="0">
-              <a:solidFill>
-                <a:schemeClr val="accent1">
-                  <a:lumMod val="50000"/>
-                </a:schemeClr>
-              </a:solidFill>
-              <a:latin typeface="Kefa" charset="0"/>
-              <a:ea typeface="Kefa" charset="0"/>
-              <a:cs typeface="Kefa" charset="0"/>
-            </a:endParaRPr>
-          </a:p>
-          <a:p>
-            <a:pPr algn="ctr">
-              <a:buSzPct val="115000"/>
-            </a:pPr>
-            <a:r>
-              <a:rPr lang="en-US" sz="1200" dirty="0" smtClean="0">
-                <a:solidFill>
-                  <a:schemeClr val="accent1">
-                    <a:lumMod val="50000"/>
-                  </a:schemeClr>
-                </a:solidFill>
-                <a:latin typeface="Kefa" charset="0"/>
-                <a:ea typeface="Kefa" charset="0"/>
-                <a:cs typeface="Kefa" charset="0"/>
-              </a:rPr>
-              <a:t>Masking is done using</a:t>
-            </a:r>
-          </a:p>
-          <a:p>
-            <a:pPr algn="ctr">
-              <a:buSzPct val="115000"/>
-            </a:pPr>
-            <a:r>
-              <a:rPr lang="en-US" sz="1200" dirty="0" smtClean="0">
-                <a:solidFill>
-                  <a:schemeClr val="accent1">
-                    <a:lumMod val="50000"/>
-                  </a:schemeClr>
-                </a:solidFill>
-                <a:latin typeface="Kefa" charset="0"/>
-                <a:ea typeface="Kefa" charset="0"/>
-                <a:cs typeface="Kefa" charset="0"/>
-              </a:rPr>
-              <a:t>cv2.bitwise_and</a:t>
-            </a:r>
-          </a:p>
-          <a:p>
-            <a:endParaRPr lang="en-US" dirty="0"/>
-          </a:p>
-        </p:txBody>
-      </p:sp>
-      <p:pic>
-        <p:nvPicPr>
-          <p:cNvPr id="5" name="Picture 4"/>
-          <p:cNvPicPr>
-            <a:picLocks noChangeAspect="1"/>
-          </p:cNvPicPr>
-          <p:nvPr/>
-        </p:nvPicPr>
-        <p:blipFill>
-          <a:blip r:embed="rId3">
-            <a:extLst>
-              <a:ext uri="{28A0092B-C50C-407E-A947-70E740481C1C}">
-                <a14:useLocalDpi xmlns:a14="http://schemas.microsoft.com/office/drawing/2010/main" val="0"/>
-              </a:ext>
-            </a:extLst>
-          </a:blip>
-          <a:stretch>
-            <a:fillRect/>
-          </a:stretch>
-        </p:blipFill>
-        <p:spPr>
-          <a:xfrm>
-            <a:off x="2413589" y="876560"/>
-            <a:ext cx="5014433" cy="2349860"/>
-          </a:xfrm>
-          <a:prstGeom prst="rect">
-            <a:avLst/>
-          </a:prstGeom>
-        </p:spPr>
-      </p:pic>
-      <p:sp>
-        <p:nvSpPr>
-          <p:cNvPr id="12" name="Hexagon 11"/>
-          <p:cNvSpPr/>
-          <p:nvPr/>
-        </p:nvSpPr>
-        <p:spPr>
-          <a:xfrm>
-            <a:off x="7237676" y="3165286"/>
-            <a:ext cx="380691" cy="329609"/>
-          </a:xfrm>
-          <a:prstGeom prst="hexagon">
-            <a:avLst/>
-          </a:prstGeom>
-          <a:solidFill>
-            <a:schemeClr val="accent4">
-              <a:lumMod val="75000"/>
-            </a:schemeClr>
-          </a:solidFill>
-        </p:spPr>
-        <p:style>
-          <a:lnRef idx="2">
-            <a:schemeClr val="accent1">
-              <a:shade val="50000"/>
-            </a:schemeClr>
-          </a:lnRef>
-          <a:fillRef idx="1">
-            <a:schemeClr val="accent1"/>
-          </a:fillRef>
-          <a:effectRef idx="0">
-            <a:schemeClr val="accent1"/>
-          </a:effectRef>
-          <a:fontRef idx="minor">
-            <a:schemeClr val="lt1"/>
-          </a:fontRef>
-        </p:style>
-        <p:txBody>
-          <a:bodyPr rtlCol="0" anchor="ctr"/>
-          <a:lstStyle/>
-          <a:p>
-            <a:pPr algn="ctr"/>
-            <a:r>
-              <a:rPr lang="en-US" dirty="0" smtClean="0">
-                <a:solidFill>
-                  <a:schemeClr val="bg2">
-                    <a:lumMod val="20000"/>
-                    <a:lumOff val="80000"/>
-                  </a:schemeClr>
-                </a:solidFill>
-              </a:rPr>
-              <a:t>9</a:t>
-            </a:r>
-            <a:endParaRPr lang="en-US" dirty="0">
-              <a:solidFill>
-                <a:schemeClr val="bg2">
-                  <a:lumMod val="20000"/>
-                  <a:lumOff val="80000"/>
-                </a:schemeClr>
-              </a:solidFill>
-            </a:endParaRPr>
-          </a:p>
-        </p:txBody>
-      </p:sp>
-    </p:spTree>
-    <p:extLst>
-      <p:ext uri="{BB962C8B-B14F-4D97-AF65-F5344CB8AC3E}">
-        <p14:creationId xmlns:p14="http://schemas.microsoft.com/office/powerpoint/2010/main" val="1576564612"/>
-      </p:ext>
-    </p:extLst>
-  </p:cSld>
-  <p:clrMapOvr>
-    <a:masterClrMapping/>
-  </p:clrMapOvr>
-  <p:timing>
-    <p:tnLst>
-      <p:par>
-        <p:cTn id="1" dur="indefinite" restart="never" nodeType="tmRoot"/>
-      </p:par>
-    </p:tnLst>
-  </p:timing>
-</p:sld>
-</file>
-
 <file path=ppt/theme/theme1.xml><?xml version="1.0" encoding="utf-8"?>
 <a:theme xmlns:a="http://schemas.openxmlformats.org/drawingml/2006/main" name="Imogen template">
   <a:themeElements>
